--- a/test/fixtures/connectionShape.pptx
+++ b/test/fixtures/connectionShape.pptx
@@ -1,14 +1,14 @@
 
 <file path=ppt/presentation.xml><?xml version="1.0" encoding="utf-8"?>
-<p:presentation xmlns:a="http://schemas.openxmlformats.org/drawingml/2006/main" xmlns:r="http://schemas.openxmlformats.org/officeDocument/2006/relationships" xmlns:p="http://schemas.openxmlformats.org/presentationml/2006/main" saveSubsetFonts="1">
+<p:presentation xmlns:a="http://schemas.openxmlformats.org/drawingml/2006/main" xmlns:r="http://schemas.openxmlformats.org/officeDocument/2006/relationships" xmlns:p="http://schemas.openxmlformats.org/presentationml/2006/main">
   <p:sldMasterIdLst>
     <p:sldMasterId id="2147483648" r:id="rId1"/>
   </p:sldMasterIdLst>
   <p:sldIdLst>
-    <p:sldId id="256" r:id="rId2"/>
-    <p:sldId id="257" r:id="rId3"/>
-    <p:sldId id="258" r:id="rId4"/>
-    <p:sldId id="259" r:id="rId5"/>
+    <p:sldId id="256" r:id="rId3"/>
+    <p:sldId id="257" r:id="rId4"/>
+    <p:sldId id="258" r:id="rId5"/>
+    <p:sldId id="259" r:id="rId6"/>
   </p:sldIdLst>
   <p:sldSz cx="12192000" cy="6858000"/>
   <p:notesSz cx="6858000" cy="9144000"/>
@@ -107,11 +107,6 @@
       </a:defRPr>
     </a:lvl9pPr>
   </p:defaultTextStyle>
-  <p:extLst>
-    <p:ext uri="{EFAFB233-063F-42B5-8137-9DF3F51BA10A}">
-      <p15:sldGuideLst xmlns:p15="http://schemas.microsoft.com/office/powerpoint/2012/main"/>
-    </p:ext>
-  </p:extLst>
 </p:presentation>
 </file>
 
@@ -134,13 +129,7 @@
       </p:grpSpPr>
       <p:sp>
         <p:nvSpPr>
-          <p:cNvPr id="2" name="标题 1">
-            <a:extLst>
-              <a:ext uri="{FF2B5EF4-FFF2-40B4-BE49-F238E27FC236}">
-                <a16:creationId xmlns:a16="http://schemas.microsoft.com/office/drawing/2014/main" id="{0D6DDC59-81D1-4AB7-9937-B19137957354}"/>
-              </a:ext>
-            </a:extLst>
-          </p:cNvPr>
+          <p:cNvPr id="2" name="标题 1"/>
           <p:cNvSpPr>
             <a:spLocks noGrp="1"/>
           </p:cNvSpPr>
@@ -166,18 +155,13 @@
               <a:rPr lang="zh-CN" altLang="en-US"/>
               <a:t>单击此处编辑母版标题样式</a:t>
             </a:r>
-          </a:p>
-        </p:txBody>
-      </p:sp>
-      <p:sp>
-        <p:nvSpPr>
-          <p:cNvPr id="3" name="副标题 2">
-            <a:extLst>
-              <a:ext uri="{FF2B5EF4-FFF2-40B4-BE49-F238E27FC236}">
-                <a16:creationId xmlns:a16="http://schemas.microsoft.com/office/drawing/2014/main" id="{287DEC70-7CC1-405D-B615-241D001F3A4F}"/>
-              </a:ext>
-            </a:extLst>
-          </p:cNvPr>
+            <a:endParaRPr lang="zh-CN" altLang="en-US"/>
+          </a:p>
+        </p:txBody>
+      </p:sp>
+      <p:sp>
+        <p:nvSpPr>
+          <p:cNvPr id="3" name="副标题 2"/>
           <p:cNvSpPr>
             <a:spLocks noGrp="1"/>
           </p:cNvSpPr>
@@ -236,18 +220,13 @@
               <a:rPr lang="zh-CN" altLang="en-US"/>
               <a:t>单击此处编辑母版副标题样式</a:t>
             </a:r>
-          </a:p>
-        </p:txBody>
-      </p:sp>
-      <p:sp>
-        <p:nvSpPr>
-          <p:cNvPr id="4" name="日期占位符 3">
-            <a:extLst>
-              <a:ext uri="{FF2B5EF4-FFF2-40B4-BE49-F238E27FC236}">
-                <a16:creationId xmlns:a16="http://schemas.microsoft.com/office/drawing/2014/main" id="{D4060F0F-ECEA-40A2-8D6A-30674498C851}"/>
-              </a:ext>
-            </a:extLst>
-          </p:cNvPr>
+            <a:endParaRPr lang="zh-CN" altLang="en-US"/>
+          </a:p>
+        </p:txBody>
+      </p:sp>
+      <p:sp>
+        <p:nvSpPr>
+          <p:cNvPr id="4" name="日期占位符 3"/>
           <p:cNvSpPr>
             <a:spLocks noGrp="1"/>
           </p:cNvSpPr>
@@ -262,7 +241,6 @@
           <a:p>
             <a:fld id="{C34E194E-4B6F-449E-8CB0-B0B5847C247C}" type="datetimeFigureOut">
               <a:rPr lang="zh-CN" altLang="en-US" smtClean="0"/>
-              <a:t>2023/3/10</a:t>
             </a:fld>
             <a:endParaRPr lang="zh-CN" altLang="en-US"/>
           </a:p>
@@ -270,13 +248,7 @@
       </p:sp>
       <p:sp>
         <p:nvSpPr>
-          <p:cNvPr id="5" name="页脚占位符 4">
-            <a:extLst>
-              <a:ext uri="{FF2B5EF4-FFF2-40B4-BE49-F238E27FC236}">
-                <a16:creationId xmlns:a16="http://schemas.microsoft.com/office/drawing/2014/main" id="{5073BB52-80FC-4308-81F9-596644442DBA}"/>
-              </a:ext>
-            </a:extLst>
-          </p:cNvPr>
+          <p:cNvPr id="5" name="页脚占位符 4"/>
           <p:cNvSpPr>
             <a:spLocks noGrp="1"/>
           </p:cNvSpPr>
@@ -295,13 +267,7 @@
       </p:sp>
       <p:sp>
         <p:nvSpPr>
-          <p:cNvPr id="6" name="灯片编号占位符 5">
-            <a:extLst>
-              <a:ext uri="{FF2B5EF4-FFF2-40B4-BE49-F238E27FC236}">
-                <a16:creationId xmlns:a16="http://schemas.microsoft.com/office/drawing/2014/main" id="{D4304CA3-10D2-4ABE-AD32-A2EBA9DA6AF8}"/>
-              </a:ext>
-            </a:extLst>
-          </p:cNvPr>
+          <p:cNvPr id="6" name="灯片编号占位符 5"/>
           <p:cNvSpPr>
             <a:spLocks noGrp="1"/>
           </p:cNvSpPr>
@@ -316,18 +282,12 @@
           <a:p>
             <a:fld id="{684E676C-970E-42D1-B9A7-A7F2CF6DFD98}" type="slidenum">
               <a:rPr lang="zh-CN" altLang="en-US" smtClean="0"/>
-              <a:t>‹#›</a:t>
             </a:fld>
             <a:endParaRPr lang="zh-CN" altLang="en-US"/>
           </a:p>
         </p:txBody>
       </p:sp>
     </p:spTree>
-    <p:extLst>
-      <p:ext uri="{BB962C8B-B14F-4D97-AF65-F5344CB8AC3E}">
-        <p14:creationId xmlns:p14="http://schemas.microsoft.com/office/powerpoint/2010/main" val="569246532"/>
-      </p:ext>
-    </p:extLst>
   </p:cSld>
   <p:clrMapOvr>
     <a:masterClrMapping/>
@@ -354,13 +314,7 @@
       </p:grpSpPr>
       <p:sp>
         <p:nvSpPr>
-          <p:cNvPr id="2" name="标题 1">
-            <a:extLst>
-              <a:ext uri="{FF2B5EF4-FFF2-40B4-BE49-F238E27FC236}">
-                <a16:creationId xmlns:a16="http://schemas.microsoft.com/office/drawing/2014/main" id="{6EEF9793-067F-477F-BA94-78EBF5ADCE20}"/>
-              </a:ext>
-            </a:extLst>
-          </p:cNvPr>
+          <p:cNvPr id="2" name="标题 1"/>
           <p:cNvSpPr>
             <a:spLocks noGrp="1"/>
           </p:cNvSpPr>
@@ -377,18 +331,13 @@
               <a:rPr lang="zh-CN" altLang="en-US"/>
               <a:t>单击此处编辑母版标题样式</a:t>
             </a:r>
-          </a:p>
-        </p:txBody>
-      </p:sp>
-      <p:sp>
-        <p:nvSpPr>
-          <p:cNvPr id="3" name="竖排文字占位符 2">
-            <a:extLst>
-              <a:ext uri="{FF2B5EF4-FFF2-40B4-BE49-F238E27FC236}">
-                <a16:creationId xmlns:a16="http://schemas.microsoft.com/office/drawing/2014/main" id="{F82DC3A0-D8C8-4019-AD8A-EF595F5F4DA5}"/>
-              </a:ext>
-            </a:extLst>
-          </p:cNvPr>
+            <a:endParaRPr lang="zh-CN" altLang="en-US"/>
+          </a:p>
+        </p:txBody>
+      </p:sp>
+      <p:sp>
+        <p:nvSpPr>
+          <p:cNvPr id="3" name="竖排文字占位符 2"/>
           <p:cNvSpPr>
             <a:spLocks noGrp="1"/>
           </p:cNvSpPr>
@@ -406,6 +355,7 @@
               <a:rPr lang="zh-CN" altLang="en-US"/>
               <a:t>单击此处编辑母版文本样式</a:t>
             </a:r>
+            <a:endParaRPr lang="zh-CN" altLang="en-US"/>
           </a:p>
           <a:p>
             <a:pPr lvl="1"/>
@@ -413,6 +363,7 @@
               <a:rPr lang="zh-CN" altLang="en-US"/>
               <a:t>二级</a:t>
             </a:r>
+            <a:endParaRPr lang="zh-CN" altLang="en-US"/>
           </a:p>
           <a:p>
             <a:pPr lvl="2"/>
@@ -420,6 +371,7 @@
               <a:rPr lang="zh-CN" altLang="en-US"/>
               <a:t>三级</a:t>
             </a:r>
+            <a:endParaRPr lang="zh-CN" altLang="en-US"/>
           </a:p>
           <a:p>
             <a:pPr lvl="3"/>
@@ -427,6 +379,7 @@
               <a:rPr lang="zh-CN" altLang="en-US"/>
               <a:t>四级</a:t>
             </a:r>
+            <a:endParaRPr lang="zh-CN" altLang="en-US"/>
           </a:p>
           <a:p>
             <a:pPr lvl="4"/>
@@ -434,18 +387,13 @@
               <a:rPr lang="zh-CN" altLang="en-US"/>
               <a:t>五级</a:t>
             </a:r>
-          </a:p>
-        </p:txBody>
-      </p:sp>
-      <p:sp>
-        <p:nvSpPr>
-          <p:cNvPr id="4" name="日期占位符 3">
-            <a:extLst>
-              <a:ext uri="{FF2B5EF4-FFF2-40B4-BE49-F238E27FC236}">
-                <a16:creationId xmlns:a16="http://schemas.microsoft.com/office/drawing/2014/main" id="{CB880AD8-6193-48AB-A5BF-1AE501AA5D7E}"/>
-              </a:ext>
-            </a:extLst>
-          </p:cNvPr>
+            <a:endParaRPr lang="zh-CN" altLang="en-US"/>
+          </a:p>
+        </p:txBody>
+      </p:sp>
+      <p:sp>
+        <p:nvSpPr>
+          <p:cNvPr id="4" name="日期占位符 3"/>
           <p:cNvSpPr>
             <a:spLocks noGrp="1"/>
           </p:cNvSpPr>
@@ -460,7 +408,6 @@
           <a:p>
             <a:fld id="{C34E194E-4B6F-449E-8CB0-B0B5847C247C}" type="datetimeFigureOut">
               <a:rPr lang="zh-CN" altLang="en-US" smtClean="0"/>
-              <a:t>2023/3/10</a:t>
             </a:fld>
             <a:endParaRPr lang="zh-CN" altLang="en-US"/>
           </a:p>
@@ -468,13 +415,7 @@
       </p:sp>
       <p:sp>
         <p:nvSpPr>
-          <p:cNvPr id="5" name="页脚占位符 4">
-            <a:extLst>
-              <a:ext uri="{FF2B5EF4-FFF2-40B4-BE49-F238E27FC236}">
-                <a16:creationId xmlns:a16="http://schemas.microsoft.com/office/drawing/2014/main" id="{28361ECA-613C-4DB0-9095-B42265087787}"/>
-              </a:ext>
-            </a:extLst>
-          </p:cNvPr>
+          <p:cNvPr id="5" name="页脚占位符 4"/>
           <p:cNvSpPr>
             <a:spLocks noGrp="1"/>
           </p:cNvSpPr>
@@ -493,13 +434,7 @@
       </p:sp>
       <p:sp>
         <p:nvSpPr>
-          <p:cNvPr id="6" name="灯片编号占位符 5">
-            <a:extLst>
-              <a:ext uri="{FF2B5EF4-FFF2-40B4-BE49-F238E27FC236}">
-                <a16:creationId xmlns:a16="http://schemas.microsoft.com/office/drawing/2014/main" id="{EF1E2835-CEF2-44B1-A677-83BA656F0AF2}"/>
-              </a:ext>
-            </a:extLst>
-          </p:cNvPr>
+          <p:cNvPr id="6" name="灯片编号占位符 5"/>
           <p:cNvSpPr>
             <a:spLocks noGrp="1"/>
           </p:cNvSpPr>
@@ -514,18 +449,12 @@
           <a:p>
             <a:fld id="{684E676C-970E-42D1-B9A7-A7F2CF6DFD98}" type="slidenum">
               <a:rPr lang="zh-CN" altLang="en-US" smtClean="0"/>
-              <a:t>‹#›</a:t>
             </a:fld>
             <a:endParaRPr lang="zh-CN" altLang="en-US"/>
           </a:p>
         </p:txBody>
       </p:sp>
     </p:spTree>
-    <p:extLst>
-      <p:ext uri="{BB962C8B-B14F-4D97-AF65-F5344CB8AC3E}">
-        <p14:creationId xmlns:p14="http://schemas.microsoft.com/office/powerpoint/2010/main" val="1023502604"/>
-      </p:ext>
-    </p:extLst>
   </p:cSld>
   <p:clrMapOvr>
     <a:masterClrMapping/>
@@ -552,13 +481,7 @@
       </p:grpSpPr>
       <p:sp>
         <p:nvSpPr>
-          <p:cNvPr id="2" name="竖排标题 1">
-            <a:extLst>
-              <a:ext uri="{FF2B5EF4-FFF2-40B4-BE49-F238E27FC236}">
-                <a16:creationId xmlns:a16="http://schemas.microsoft.com/office/drawing/2014/main" id="{EB6E597D-0571-4B63-B216-DE0FCAB7CF3B}"/>
-              </a:ext>
-            </a:extLst>
-          </p:cNvPr>
+          <p:cNvPr id="2" name="竖排标题 1"/>
           <p:cNvSpPr>
             <a:spLocks noGrp="1"/>
           </p:cNvSpPr>
@@ -580,18 +503,13 @@
               <a:rPr lang="zh-CN" altLang="en-US"/>
               <a:t>单击此处编辑母版标题样式</a:t>
             </a:r>
-          </a:p>
-        </p:txBody>
-      </p:sp>
-      <p:sp>
-        <p:nvSpPr>
-          <p:cNvPr id="3" name="竖排文字占位符 2">
-            <a:extLst>
-              <a:ext uri="{FF2B5EF4-FFF2-40B4-BE49-F238E27FC236}">
-                <a16:creationId xmlns:a16="http://schemas.microsoft.com/office/drawing/2014/main" id="{7C07E1C0-D7B6-4155-8F73-CE9811A7E2B0}"/>
-              </a:ext>
-            </a:extLst>
-          </p:cNvPr>
+            <a:endParaRPr lang="zh-CN" altLang="en-US"/>
+          </a:p>
+        </p:txBody>
+      </p:sp>
+      <p:sp>
+        <p:nvSpPr>
+          <p:cNvPr id="3" name="竖排文字占位符 2"/>
           <p:cNvSpPr>
             <a:spLocks noGrp="1"/>
           </p:cNvSpPr>
@@ -614,6 +532,7 @@
               <a:rPr lang="zh-CN" altLang="en-US"/>
               <a:t>单击此处编辑母版文本样式</a:t>
             </a:r>
+            <a:endParaRPr lang="zh-CN" altLang="en-US"/>
           </a:p>
           <a:p>
             <a:pPr lvl="1"/>
@@ -621,6 +540,7 @@
               <a:rPr lang="zh-CN" altLang="en-US"/>
               <a:t>二级</a:t>
             </a:r>
+            <a:endParaRPr lang="zh-CN" altLang="en-US"/>
           </a:p>
           <a:p>
             <a:pPr lvl="2"/>
@@ -628,6 +548,7 @@
               <a:rPr lang="zh-CN" altLang="en-US"/>
               <a:t>三级</a:t>
             </a:r>
+            <a:endParaRPr lang="zh-CN" altLang="en-US"/>
           </a:p>
           <a:p>
             <a:pPr lvl="3"/>
@@ -635,6 +556,7 @@
               <a:rPr lang="zh-CN" altLang="en-US"/>
               <a:t>四级</a:t>
             </a:r>
+            <a:endParaRPr lang="zh-CN" altLang="en-US"/>
           </a:p>
           <a:p>
             <a:pPr lvl="4"/>
@@ -642,18 +564,13 @@
               <a:rPr lang="zh-CN" altLang="en-US"/>
               <a:t>五级</a:t>
             </a:r>
-          </a:p>
-        </p:txBody>
-      </p:sp>
-      <p:sp>
-        <p:nvSpPr>
-          <p:cNvPr id="4" name="日期占位符 3">
-            <a:extLst>
-              <a:ext uri="{FF2B5EF4-FFF2-40B4-BE49-F238E27FC236}">
-                <a16:creationId xmlns:a16="http://schemas.microsoft.com/office/drawing/2014/main" id="{4CE6E215-D660-4178-A9E4-FEDF7564F6EC}"/>
-              </a:ext>
-            </a:extLst>
-          </p:cNvPr>
+            <a:endParaRPr lang="zh-CN" altLang="en-US"/>
+          </a:p>
+        </p:txBody>
+      </p:sp>
+      <p:sp>
+        <p:nvSpPr>
+          <p:cNvPr id="4" name="日期占位符 3"/>
           <p:cNvSpPr>
             <a:spLocks noGrp="1"/>
           </p:cNvSpPr>
@@ -668,7 +585,6 @@
           <a:p>
             <a:fld id="{C34E194E-4B6F-449E-8CB0-B0B5847C247C}" type="datetimeFigureOut">
               <a:rPr lang="zh-CN" altLang="en-US" smtClean="0"/>
-              <a:t>2023/3/10</a:t>
             </a:fld>
             <a:endParaRPr lang="zh-CN" altLang="en-US"/>
           </a:p>
@@ -676,13 +592,7 @@
       </p:sp>
       <p:sp>
         <p:nvSpPr>
-          <p:cNvPr id="5" name="页脚占位符 4">
-            <a:extLst>
-              <a:ext uri="{FF2B5EF4-FFF2-40B4-BE49-F238E27FC236}">
-                <a16:creationId xmlns:a16="http://schemas.microsoft.com/office/drawing/2014/main" id="{E5B13250-348A-444E-A571-AD3547158DEA}"/>
-              </a:ext>
-            </a:extLst>
-          </p:cNvPr>
+          <p:cNvPr id="5" name="页脚占位符 4"/>
           <p:cNvSpPr>
             <a:spLocks noGrp="1"/>
           </p:cNvSpPr>
@@ -701,13 +611,7 @@
       </p:sp>
       <p:sp>
         <p:nvSpPr>
-          <p:cNvPr id="6" name="灯片编号占位符 5">
-            <a:extLst>
-              <a:ext uri="{FF2B5EF4-FFF2-40B4-BE49-F238E27FC236}">
-                <a16:creationId xmlns:a16="http://schemas.microsoft.com/office/drawing/2014/main" id="{AD17CB97-137A-4662-957C-080B375493A8}"/>
-              </a:ext>
-            </a:extLst>
-          </p:cNvPr>
+          <p:cNvPr id="6" name="灯片编号占位符 5"/>
           <p:cNvSpPr>
             <a:spLocks noGrp="1"/>
           </p:cNvSpPr>
@@ -722,18 +626,12 @@
           <a:p>
             <a:fld id="{684E676C-970E-42D1-B9A7-A7F2CF6DFD98}" type="slidenum">
               <a:rPr lang="zh-CN" altLang="en-US" smtClean="0"/>
-              <a:t>‹#›</a:t>
             </a:fld>
             <a:endParaRPr lang="zh-CN" altLang="en-US"/>
           </a:p>
         </p:txBody>
       </p:sp>
     </p:spTree>
-    <p:extLst>
-      <p:ext uri="{BB962C8B-B14F-4D97-AF65-F5344CB8AC3E}">
-        <p14:creationId xmlns:p14="http://schemas.microsoft.com/office/powerpoint/2010/main" val="2423344167"/>
-      </p:ext>
-    </p:extLst>
   </p:cSld>
   <p:clrMapOvr>
     <a:masterClrMapping/>
@@ -760,13 +658,7 @@
       </p:grpSpPr>
       <p:sp>
         <p:nvSpPr>
-          <p:cNvPr id="2" name="标题 1">
-            <a:extLst>
-              <a:ext uri="{FF2B5EF4-FFF2-40B4-BE49-F238E27FC236}">
-                <a16:creationId xmlns:a16="http://schemas.microsoft.com/office/drawing/2014/main" id="{0B415A4E-5ED1-4215-BED6-50B3A50B107C}"/>
-              </a:ext>
-            </a:extLst>
-          </p:cNvPr>
+          <p:cNvPr id="2" name="标题 1"/>
           <p:cNvSpPr>
             <a:spLocks noGrp="1"/>
           </p:cNvSpPr>
@@ -783,18 +675,13 @@
               <a:rPr lang="zh-CN" altLang="en-US"/>
               <a:t>单击此处编辑母版标题样式</a:t>
             </a:r>
-          </a:p>
-        </p:txBody>
-      </p:sp>
-      <p:sp>
-        <p:nvSpPr>
-          <p:cNvPr id="3" name="内容占位符 2">
-            <a:extLst>
-              <a:ext uri="{FF2B5EF4-FFF2-40B4-BE49-F238E27FC236}">
-                <a16:creationId xmlns:a16="http://schemas.microsoft.com/office/drawing/2014/main" id="{CEFD1C98-815A-4DD1-B441-B53BE0A1CBCA}"/>
-              </a:ext>
-            </a:extLst>
-          </p:cNvPr>
+            <a:endParaRPr lang="zh-CN" altLang="en-US"/>
+          </a:p>
+        </p:txBody>
+      </p:sp>
+      <p:sp>
+        <p:nvSpPr>
+          <p:cNvPr id="3" name="内容占位符 2"/>
           <p:cNvSpPr>
             <a:spLocks noGrp="1"/>
           </p:cNvSpPr>
@@ -812,6 +699,7 @@
               <a:rPr lang="zh-CN" altLang="en-US"/>
               <a:t>单击此处编辑母版文本样式</a:t>
             </a:r>
+            <a:endParaRPr lang="zh-CN" altLang="en-US"/>
           </a:p>
           <a:p>
             <a:pPr lvl="1"/>
@@ -819,6 +707,7 @@
               <a:rPr lang="zh-CN" altLang="en-US"/>
               <a:t>二级</a:t>
             </a:r>
+            <a:endParaRPr lang="zh-CN" altLang="en-US"/>
           </a:p>
           <a:p>
             <a:pPr lvl="2"/>
@@ -826,6 +715,7 @@
               <a:rPr lang="zh-CN" altLang="en-US"/>
               <a:t>三级</a:t>
             </a:r>
+            <a:endParaRPr lang="zh-CN" altLang="en-US"/>
           </a:p>
           <a:p>
             <a:pPr lvl="3"/>
@@ -833,6 +723,7 @@
               <a:rPr lang="zh-CN" altLang="en-US"/>
               <a:t>四级</a:t>
             </a:r>
+            <a:endParaRPr lang="zh-CN" altLang="en-US"/>
           </a:p>
           <a:p>
             <a:pPr lvl="4"/>
@@ -840,18 +731,13 @@
               <a:rPr lang="zh-CN" altLang="en-US"/>
               <a:t>五级</a:t>
             </a:r>
-          </a:p>
-        </p:txBody>
-      </p:sp>
-      <p:sp>
-        <p:nvSpPr>
-          <p:cNvPr id="4" name="日期占位符 3">
-            <a:extLst>
-              <a:ext uri="{FF2B5EF4-FFF2-40B4-BE49-F238E27FC236}">
-                <a16:creationId xmlns:a16="http://schemas.microsoft.com/office/drawing/2014/main" id="{B22F0EE2-67BF-4D75-AAF5-DE9C6A05E19D}"/>
-              </a:ext>
-            </a:extLst>
-          </p:cNvPr>
+            <a:endParaRPr lang="zh-CN" altLang="en-US"/>
+          </a:p>
+        </p:txBody>
+      </p:sp>
+      <p:sp>
+        <p:nvSpPr>
+          <p:cNvPr id="4" name="日期占位符 3"/>
           <p:cNvSpPr>
             <a:spLocks noGrp="1"/>
           </p:cNvSpPr>
@@ -866,7 +752,6 @@
           <a:p>
             <a:fld id="{C34E194E-4B6F-449E-8CB0-B0B5847C247C}" type="datetimeFigureOut">
               <a:rPr lang="zh-CN" altLang="en-US" smtClean="0"/>
-              <a:t>2023/3/10</a:t>
             </a:fld>
             <a:endParaRPr lang="zh-CN" altLang="en-US"/>
           </a:p>
@@ -874,13 +759,7 @@
       </p:sp>
       <p:sp>
         <p:nvSpPr>
-          <p:cNvPr id="5" name="页脚占位符 4">
-            <a:extLst>
-              <a:ext uri="{FF2B5EF4-FFF2-40B4-BE49-F238E27FC236}">
-                <a16:creationId xmlns:a16="http://schemas.microsoft.com/office/drawing/2014/main" id="{F77C7BE4-FE16-4C4C-8D85-AC1A9020A36B}"/>
-              </a:ext>
-            </a:extLst>
-          </p:cNvPr>
+          <p:cNvPr id="5" name="页脚占位符 4"/>
           <p:cNvSpPr>
             <a:spLocks noGrp="1"/>
           </p:cNvSpPr>
@@ -899,13 +778,7 @@
       </p:sp>
       <p:sp>
         <p:nvSpPr>
-          <p:cNvPr id="6" name="灯片编号占位符 5">
-            <a:extLst>
-              <a:ext uri="{FF2B5EF4-FFF2-40B4-BE49-F238E27FC236}">
-                <a16:creationId xmlns:a16="http://schemas.microsoft.com/office/drawing/2014/main" id="{DDDEC40D-4AD9-492C-9C28-C1A462740DE8}"/>
-              </a:ext>
-            </a:extLst>
-          </p:cNvPr>
+          <p:cNvPr id="6" name="灯片编号占位符 5"/>
           <p:cNvSpPr>
             <a:spLocks noGrp="1"/>
           </p:cNvSpPr>
@@ -920,18 +793,12 @@
           <a:p>
             <a:fld id="{684E676C-970E-42D1-B9A7-A7F2CF6DFD98}" type="slidenum">
               <a:rPr lang="zh-CN" altLang="en-US" smtClean="0"/>
-              <a:t>‹#›</a:t>
             </a:fld>
             <a:endParaRPr lang="zh-CN" altLang="en-US"/>
           </a:p>
         </p:txBody>
       </p:sp>
     </p:spTree>
-    <p:extLst>
-      <p:ext uri="{BB962C8B-B14F-4D97-AF65-F5344CB8AC3E}">
-        <p14:creationId xmlns:p14="http://schemas.microsoft.com/office/powerpoint/2010/main" val="1254841480"/>
-      </p:ext>
-    </p:extLst>
   </p:cSld>
   <p:clrMapOvr>
     <a:masterClrMapping/>
@@ -958,13 +825,7 @@
       </p:grpSpPr>
       <p:sp>
         <p:nvSpPr>
-          <p:cNvPr id="2" name="标题 1">
-            <a:extLst>
-              <a:ext uri="{FF2B5EF4-FFF2-40B4-BE49-F238E27FC236}">
-                <a16:creationId xmlns:a16="http://schemas.microsoft.com/office/drawing/2014/main" id="{4F4CF9F7-4EFB-4421-9CF3-AFF05362FD84}"/>
-              </a:ext>
-            </a:extLst>
-          </p:cNvPr>
+          <p:cNvPr id="2" name="标题 1"/>
           <p:cNvSpPr>
             <a:spLocks noGrp="1"/>
           </p:cNvSpPr>
@@ -990,18 +851,13 @@
               <a:rPr lang="zh-CN" altLang="en-US"/>
               <a:t>单击此处编辑母版标题样式</a:t>
             </a:r>
-          </a:p>
-        </p:txBody>
-      </p:sp>
-      <p:sp>
-        <p:nvSpPr>
-          <p:cNvPr id="3" name="文本占位符 2">
-            <a:extLst>
-              <a:ext uri="{FF2B5EF4-FFF2-40B4-BE49-F238E27FC236}">
-                <a16:creationId xmlns:a16="http://schemas.microsoft.com/office/drawing/2014/main" id="{5BA52286-DB8C-413F-B781-46263A7B8B7E}"/>
-              </a:ext>
-            </a:extLst>
-          </p:cNvPr>
+            <a:endParaRPr lang="zh-CN" altLang="en-US"/>
+          </a:p>
+        </p:txBody>
+      </p:sp>
+      <p:sp>
+        <p:nvSpPr>
+          <p:cNvPr id="3" name="文本占位符 2"/>
           <p:cNvSpPr>
             <a:spLocks noGrp="1"/>
           </p:cNvSpPr>
@@ -1115,18 +971,13 @@
               <a:rPr lang="zh-CN" altLang="en-US"/>
               <a:t>单击此处编辑母版文本样式</a:t>
             </a:r>
-          </a:p>
-        </p:txBody>
-      </p:sp>
-      <p:sp>
-        <p:nvSpPr>
-          <p:cNvPr id="4" name="日期占位符 3">
-            <a:extLst>
-              <a:ext uri="{FF2B5EF4-FFF2-40B4-BE49-F238E27FC236}">
-                <a16:creationId xmlns:a16="http://schemas.microsoft.com/office/drawing/2014/main" id="{5C99A206-C159-4794-AD02-FA46C4D8E10A}"/>
-              </a:ext>
-            </a:extLst>
-          </p:cNvPr>
+            <a:endParaRPr lang="zh-CN" altLang="en-US"/>
+          </a:p>
+        </p:txBody>
+      </p:sp>
+      <p:sp>
+        <p:nvSpPr>
+          <p:cNvPr id="4" name="日期占位符 3"/>
           <p:cNvSpPr>
             <a:spLocks noGrp="1"/>
           </p:cNvSpPr>
@@ -1141,7 +992,6 @@
           <a:p>
             <a:fld id="{C34E194E-4B6F-449E-8CB0-B0B5847C247C}" type="datetimeFigureOut">
               <a:rPr lang="zh-CN" altLang="en-US" smtClean="0"/>
-              <a:t>2023/3/10</a:t>
             </a:fld>
             <a:endParaRPr lang="zh-CN" altLang="en-US"/>
           </a:p>
@@ -1149,13 +999,7 @@
       </p:sp>
       <p:sp>
         <p:nvSpPr>
-          <p:cNvPr id="5" name="页脚占位符 4">
-            <a:extLst>
-              <a:ext uri="{FF2B5EF4-FFF2-40B4-BE49-F238E27FC236}">
-                <a16:creationId xmlns:a16="http://schemas.microsoft.com/office/drawing/2014/main" id="{D006E761-58A9-4874-BFD2-2FCB2D7133A4}"/>
-              </a:ext>
-            </a:extLst>
-          </p:cNvPr>
+          <p:cNvPr id="5" name="页脚占位符 4"/>
           <p:cNvSpPr>
             <a:spLocks noGrp="1"/>
           </p:cNvSpPr>
@@ -1174,13 +1018,7 @@
       </p:sp>
       <p:sp>
         <p:nvSpPr>
-          <p:cNvPr id="6" name="灯片编号占位符 5">
-            <a:extLst>
-              <a:ext uri="{FF2B5EF4-FFF2-40B4-BE49-F238E27FC236}">
-                <a16:creationId xmlns:a16="http://schemas.microsoft.com/office/drawing/2014/main" id="{1E793C31-72A2-4E48-BFE4-548E5FA827BC}"/>
-              </a:ext>
-            </a:extLst>
-          </p:cNvPr>
+          <p:cNvPr id="6" name="灯片编号占位符 5"/>
           <p:cNvSpPr>
             <a:spLocks noGrp="1"/>
           </p:cNvSpPr>
@@ -1195,18 +1033,12 @@
           <a:p>
             <a:fld id="{684E676C-970E-42D1-B9A7-A7F2CF6DFD98}" type="slidenum">
               <a:rPr lang="zh-CN" altLang="en-US" smtClean="0"/>
-              <a:t>‹#›</a:t>
             </a:fld>
             <a:endParaRPr lang="zh-CN" altLang="en-US"/>
           </a:p>
         </p:txBody>
       </p:sp>
     </p:spTree>
-    <p:extLst>
-      <p:ext uri="{BB962C8B-B14F-4D97-AF65-F5344CB8AC3E}">
-        <p14:creationId xmlns:p14="http://schemas.microsoft.com/office/powerpoint/2010/main" val="2789746891"/>
-      </p:ext>
-    </p:extLst>
   </p:cSld>
   <p:clrMapOvr>
     <a:masterClrMapping/>
@@ -1233,13 +1065,7 @@
       </p:grpSpPr>
       <p:sp>
         <p:nvSpPr>
-          <p:cNvPr id="2" name="标题 1">
-            <a:extLst>
-              <a:ext uri="{FF2B5EF4-FFF2-40B4-BE49-F238E27FC236}">
-                <a16:creationId xmlns:a16="http://schemas.microsoft.com/office/drawing/2014/main" id="{966F83E1-EAD0-4A64-8C05-D90E15029F3F}"/>
-              </a:ext>
-            </a:extLst>
-          </p:cNvPr>
+          <p:cNvPr id="2" name="标题 1"/>
           <p:cNvSpPr>
             <a:spLocks noGrp="1"/>
           </p:cNvSpPr>
@@ -1256,18 +1082,13 @@
               <a:rPr lang="zh-CN" altLang="en-US"/>
               <a:t>单击此处编辑母版标题样式</a:t>
             </a:r>
-          </a:p>
-        </p:txBody>
-      </p:sp>
-      <p:sp>
-        <p:nvSpPr>
-          <p:cNvPr id="3" name="内容占位符 2">
-            <a:extLst>
-              <a:ext uri="{FF2B5EF4-FFF2-40B4-BE49-F238E27FC236}">
-                <a16:creationId xmlns:a16="http://schemas.microsoft.com/office/drawing/2014/main" id="{B94004E8-412A-4C8F-9A5F-1A88C823C193}"/>
-              </a:ext>
-            </a:extLst>
-          </p:cNvPr>
+            <a:endParaRPr lang="zh-CN" altLang="en-US"/>
+          </a:p>
+        </p:txBody>
+      </p:sp>
+      <p:sp>
+        <p:nvSpPr>
+          <p:cNvPr id="3" name="内容占位符 2"/>
           <p:cNvSpPr>
             <a:spLocks noGrp="1"/>
           </p:cNvSpPr>
@@ -1290,6 +1111,7 @@
               <a:rPr lang="zh-CN" altLang="en-US"/>
               <a:t>单击此处编辑母版文本样式</a:t>
             </a:r>
+            <a:endParaRPr lang="zh-CN" altLang="en-US"/>
           </a:p>
           <a:p>
             <a:pPr lvl="1"/>
@@ -1297,6 +1119,7 @@
               <a:rPr lang="zh-CN" altLang="en-US"/>
               <a:t>二级</a:t>
             </a:r>
+            <a:endParaRPr lang="zh-CN" altLang="en-US"/>
           </a:p>
           <a:p>
             <a:pPr lvl="2"/>
@@ -1304,6 +1127,7 @@
               <a:rPr lang="zh-CN" altLang="en-US"/>
               <a:t>三级</a:t>
             </a:r>
+            <a:endParaRPr lang="zh-CN" altLang="en-US"/>
           </a:p>
           <a:p>
             <a:pPr lvl="3"/>
@@ -1311,6 +1135,7 @@
               <a:rPr lang="zh-CN" altLang="en-US"/>
               <a:t>四级</a:t>
             </a:r>
+            <a:endParaRPr lang="zh-CN" altLang="en-US"/>
           </a:p>
           <a:p>
             <a:pPr lvl="4"/>
@@ -1318,18 +1143,13 @@
               <a:rPr lang="zh-CN" altLang="en-US"/>
               <a:t>五级</a:t>
             </a:r>
-          </a:p>
-        </p:txBody>
-      </p:sp>
-      <p:sp>
-        <p:nvSpPr>
-          <p:cNvPr id="4" name="内容占位符 3">
-            <a:extLst>
-              <a:ext uri="{FF2B5EF4-FFF2-40B4-BE49-F238E27FC236}">
-                <a16:creationId xmlns:a16="http://schemas.microsoft.com/office/drawing/2014/main" id="{A9A0AF59-7B57-4F3C-B38D-E148548B1A68}"/>
-              </a:ext>
-            </a:extLst>
-          </p:cNvPr>
+            <a:endParaRPr lang="zh-CN" altLang="en-US"/>
+          </a:p>
+        </p:txBody>
+      </p:sp>
+      <p:sp>
+        <p:nvSpPr>
+          <p:cNvPr id="4" name="内容占位符 3"/>
           <p:cNvSpPr>
             <a:spLocks noGrp="1"/>
           </p:cNvSpPr>
@@ -1352,6 +1172,7 @@
               <a:rPr lang="zh-CN" altLang="en-US"/>
               <a:t>单击此处编辑母版文本样式</a:t>
             </a:r>
+            <a:endParaRPr lang="zh-CN" altLang="en-US"/>
           </a:p>
           <a:p>
             <a:pPr lvl="1"/>
@@ -1359,6 +1180,7 @@
               <a:rPr lang="zh-CN" altLang="en-US"/>
               <a:t>二级</a:t>
             </a:r>
+            <a:endParaRPr lang="zh-CN" altLang="en-US"/>
           </a:p>
           <a:p>
             <a:pPr lvl="2"/>
@@ -1366,6 +1188,7 @@
               <a:rPr lang="zh-CN" altLang="en-US"/>
               <a:t>三级</a:t>
             </a:r>
+            <a:endParaRPr lang="zh-CN" altLang="en-US"/>
           </a:p>
           <a:p>
             <a:pPr lvl="3"/>
@@ -1373,6 +1196,7 @@
               <a:rPr lang="zh-CN" altLang="en-US"/>
               <a:t>四级</a:t>
             </a:r>
+            <a:endParaRPr lang="zh-CN" altLang="en-US"/>
           </a:p>
           <a:p>
             <a:pPr lvl="4"/>
@@ -1380,18 +1204,13 @@
               <a:rPr lang="zh-CN" altLang="en-US"/>
               <a:t>五级</a:t>
             </a:r>
-          </a:p>
-        </p:txBody>
-      </p:sp>
-      <p:sp>
-        <p:nvSpPr>
-          <p:cNvPr id="5" name="日期占位符 4">
-            <a:extLst>
-              <a:ext uri="{FF2B5EF4-FFF2-40B4-BE49-F238E27FC236}">
-                <a16:creationId xmlns:a16="http://schemas.microsoft.com/office/drawing/2014/main" id="{92F38B6A-F4CA-4078-84F7-F08F7A47E22D}"/>
-              </a:ext>
-            </a:extLst>
-          </p:cNvPr>
+            <a:endParaRPr lang="zh-CN" altLang="en-US"/>
+          </a:p>
+        </p:txBody>
+      </p:sp>
+      <p:sp>
+        <p:nvSpPr>
+          <p:cNvPr id="5" name="日期占位符 4"/>
           <p:cNvSpPr>
             <a:spLocks noGrp="1"/>
           </p:cNvSpPr>
@@ -1406,7 +1225,6 @@
           <a:p>
             <a:fld id="{C34E194E-4B6F-449E-8CB0-B0B5847C247C}" type="datetimeFigureOut">
               <a:rPr lang="zh-CN" altLang="en-US" smtClean="0"/>
-              <a:t>2023/3/10</a:t>
             </a:fld>
             <a:endParaRPr lang="zh-CN" altLang="en-US"/>
           </a:p>
@@ -1414,13 +1232,7 @@
       </p:sp>
       <p:sp>
         <p:nvSpPr>
-          <p:cNvPr id="6" name="页脚占位符 5">
-            <a:extLst>
-              <a:ext uri="{FF2B5EF4-FFF2-40B4-BE49-F238E27FC236}">
-                <a16:creationId xmlns:a16="http://schemas.microsoft.com/office/drawing/2014/main" id="{02E721FD-9F8D-4FF4-A8C0-B5F50BABB626}"/>
-              </a:ext>
-            </a:extLst>
-          </p:cNvPr>
+          <p:cNvPr id="6" name="页脚占位符 5"/>
           <p:cNvSpPr>
             <a:spLocks noGrp="1"/>
           </p:cNvSpPr>
@@ -1439,13 +1251,7 @@
       </p:sp>
       <p:sp>
         <p:nvSpPr>
-          <p:cNvPr id="7" name="灯片编号占位符 6">
-            <a:extLst>
-              <a:ext uri="{FF2B5EF4-FFF2-40B4-BE49-F238E27FC236}">
-                <a16:creationId xmlns:a16="http://schemas.microsoft.com/office/drawing/2014/main" id="{609F5D7A-5AE1-49E8-84D9-7DBCDF6806D1}"/>
-              </a:ext>
-            </a:extLst>
-          </p:cNvPr>
+          <p:cNvPr id="7" name="灯片编号占位符 6"/>
           <p:cNvSpPr>
             <a:spLocks noGrp="1"/>
           </p:cNvSpPr>
@@ -1460,18 +1266,12 @@
           <a:p>
             <a:fld id="{684E676C-970E-42D1-B9A7-A7F2CF6DFD98}" type="slidenum">
               <a:rPr lang="zh-CN" altLang="en-US" smtClean="0"/>
-              <a:t>‹#›</a:t>
             </a:fld>
             <a:endParaRPr lang="zh-CN" altLang="en-US"/>
           </a:p>
         </p:txBody>
       </p:sp>
     </p:spTree>
-    <p:extLst>
-      <p:ext uri="{BB962C8B-B14F-4D97-AF65-F5344CB8AC3E}">
-        <p14:creationId xmlns:p14="http://schemas.microsoft.com/office/powerpoint/2010/main" val="2016138566"/>
-      </p:ext>
-    </p:extLst>
   </p:cSld>
   <p:clrMapOvr>
     <a:masterClrMapping/>
@@ -1498,13 +1298,7 @@
       </p:grpSpPr>
       <p:sp>
         <p:nvSpPr>
-          <p:cNvPr id="2" name="标题 1">
-            <a:extLst>
-              <a:ext uri="{FF2B5EF4-FFF2-40B4-BE49-F238E27FC236}">
-                <a16:creationId xmlns:a16="http://schemas.microsoft.com/office/drawing/2014/main" id="{7705111F-84C3-4D26-906E-EE4A2F3E62FC}"/>
-              </a:ext>
-            </a:extLst>
-          </p:cNvPr>
+          <p:cNvPr id="2" name="标题 1"/>
           <p:cNvSpPr>
             <a:spLocks noGrp="1"/>
           </p:cNvSpPr>
@@ -1526,18 +1320,13 @@
               <a:rPr lang="zh-CN" altLang="en-US"/>
               <a:t>单击此处编辑母版标题样式</a:t>
             </a:r>
-          </a:p>
-        </p:txBody>
-      </p:sp>
-      <p:sp>
-        <p:nvSpPr>
-          <p:cNvPr id="3" name="文本占位符 2">
-            <a:extLst>
-              <a:ext uri="{FF2B5EF4-FFF2-40B4-BE49-F238E27FC236}">
-                <a16:creationId xmlns:a16="http://schemas.microsoft.com/office/drawing/2014/main" id="{AB0D775A-A702-4052-A3A1-6524B413D2E4}"/>
-              </a:ext>
-            </a:extLst>
-          </p:cNvPr>
+            <a:endParaRPr lang="zh-CN" altLang="en-US"/>
+          </a:p>
+        </p:txBody>
+      </p:sp>
+      <p:sp>
+        <p:nvSpPr>
+          <p:cNvPr id="3" name="文本占位符 2"/>
           <p:cNvSpPr>
             <a:spLocks noGrp="1"/>
           </p:cNvSpPr>
@@ -1597,18 +1386,13 @@
               <a:rPr lang="zh-CN" altLang="en-US"/>
               <a:t>单击此处编辑母版文本样式</a:t>
             </a:r>
-          </a:p>
-        </p:txBody>
-      </p:sp>
-      <p:sp>
-        <p:nvSpPr>
-          <p:cNvPr id="4" name="内容占位符 3">
-            <a:extLst>
-              <a:ext uri="{FF2B5EF4-FFF2-40B4-BE49-F238E27FC236}">
-                <a16:creationId xmlns:a16="http://schemas.microsoft.com/office/drawing/2014/main" id="{6F1EDE25-1800-4575-ADB3-2B95A140D793}"/>
-              </a:ext>
-            </a:extLst>
-          </p:cNvPr>
+            <a:endParaRPr lang="zh-CN" altLang="en-US"/>
+          </a:p>
+        </p:txBody>
+      </p:sp>
+      <p:sp>
+        <p:nvSpPr>
+          <p:cNvPr id="4" name="内容占位符 3"/>
           <p:cNvSpPr>
             <a:spLocks noGrp="1"/>
           </p:cNvSpPr>
@@ -1631,6 +1415,7 @@
               <a:rPr lang="zh-CN" altLang="en-US"/>
               <a:t>单击此处编辑母版文本样式</a:t>
             </a:r>
+            <a:endParaRPr lang="zh-CN" altLang="en-US"/>
           </a:p>
           <a:p>
             <a:pPr lvl="1"/>
@@ -1638,6 +1423,7 @@
               <a:rPr lang="zh-CN" altLang="en-US"/>
               <a:t>二级</a:t>
             </a:r>
+            <a:endParaRPr lang="zh-CN" altLang="en-US"/>
           </a:p>
           <a:p>
             <a:pPr lvl="2"/>
@@ -1645,6 +1431,7 @@
               <a:rPr lang="zh-CN" altLang="en-US"/>
               <a:t>三级</a:t>
             </a:r>
+            <a:endParaRPr lang="zh-CN" altLang="en-US"/>
           </a:p>
           <a:p>
             <a:pPr lvl="3"/>
@@ -1652,6 +1439,7 @@
               <a:rPr lang="zh-CN" altLang="en-US"/>
               <a:t>四级</a:t>
             </a:r>
+            <a:endParaRPr lang="zh-CN" altLang="en-US"/>
           </a:p>
           <a:p>
             <a:pPr lvl="4"/>
@@ -1659,18 +1447,13 @@
               <a:rPr lang="zh-CN" altLang="en-US"/>
               <a:t>五级</a:t>
             </a:r>
-          </a:p>
-        </p:txBody>
-      </p:sp>
-      <p:sp>
-        <p:nvSpPr>
-          <p:cNvPr id="5" name="文本占位符 4">
-            <a:extLst>
-              <a:ext uri="{FF2B5EF4-FFF2-40B4-BE49-F238E27FC236}">
-                <a16:creationId xmlns:a16="http://schemas.microsoft.com/office/drawing/2014/main" id="{4681D51A-5019-4AC0-857E-96FB693F8964}"/>
-              </a:ext>
-            </a:extLst>
-          </p:cNvPr>
+            <a:endParaRPr lang="zh-CN" altLang="en-US"/>
+          </a:p>
+        </p:txBody>
+      </p:sp>
+      <p:sp>
+        <p:nvSpPr>
+          <p:cNvPr id="5" name="文本占位符 4"/>
           <p:cNvSpPr>
             <a:spLocks noGrp="1"/>
           </p:cNvSpPr>
@@ -1730,18 +1513,13 @@
               <a:rPr lang="zh-CN" altLang="en-US"/>
               <a:t>单击此处编辑母版文本样式</a:t>
             </a:r>
-          </a:p>
-        </p:txBody>
-      </p:sp>
-      <p:sp>
-        <p:nvSpPr>
-          <p:cNvPr id="6" name="内容占位符 5">
-            <a:extLst>
-              <a:ext uri="{FF2B5EF4-FFF2-40B4-BE49-F238E27FC236}">
-                <a16:creationId xmlns:a16="http://schemas.microsoft.com/office/drawing/2014/main" id="{644130C5-8E0D-4EFE-9C60-A9D6FC0434FE}"/>
-              </a:ext>
-            </a:extLst>
-          </p:cNvPr>
+            <a:endParaRPr lang="zh-CN" altLang="en-US"/>
+          </a:p>
+        </p:txBody>
+      </p:sp>
+      <p:sp>
+        <p:nvSpPr>
+          <p:cNvPr id="6" name="内容占位符 5"/>
           <p:cNvSpPr>
             <a:spLocks noGrp="1"/>
           </p:cNvSpPr>
@@ -1764,6 +1542,7 @@
               <a:rPr lang="zh-CN" altLang="en-US"/>
               <a:t>单击此处编辑母版文本样式</a:t>
             </a:r>
+            <a:endParaRPr lang="zh-CN" altLang="en-US"/>
           </a:p>
           <a:p>
             <a:pPr lvl="1"/>
@@ -1771,6 +1550,7 @@
               <a:rPr lang="zh-CN" altLang="en-US"/>
               <a:t>二级</a:t>
             </a:r>
+            <a:endParaRPr lang="zh-CN" altLang="en-US"/>
           </a:p>
           <a:p>
             <a:pPr lvl="2"/>
@@ -1778,6 +1558,7 @@
               <a:rPr lang="zh-CN" altLang="en-US"/>
               <a:t>三级</a:t>
             </a:r>
+            <a:endParaRPr lang="zh-CN" altLang="en-US"/>
           </a:p>
           <a:p>
             <a:pPr lvl="3"/>
@@ -1785,6 +1566,7 @@
               <a:rPr lang="zh-CN" altLang="en-US"/>
               <a:t>四级</a:t>
             </a:r>
+            <a:endParaRPr lang="zh-CN" altLang="en-US"/>
           </a:p>
           <a:p>
             <a:pPr lvl="4"/>
@@ -1792,18 +1574,13 @@
               <a:rPr lang="zh-CN" altLang="en-US"/>
               <a:t>五级</a:t>
             </a:r>
-          </a:p>
-        </p:txBody>
-      </p:sp>
-      <p:sp>
-        <p:nvSpPr>
-          <p:cNvPr id="7" name="日期占位符 6">
-            <a:extLst>
-              <a:ext uri="{FF2B5EF4-FFF2-40B4-BE49-F238E27FC236}">
-                <a16:creationId xmlns:a16="http://schemas.microsoft.com/office/drawing/2014/main" id="{ED00D98C-03A9-47AA-8E3C-91463DBE71E4}"/>
-              </a:ext>
-            </a:extLst>
-          </p:cNvPr>
+            <a:endParaRPr lang="zh-CN" altLang="en-US"/>
+          </a:p>
+        </p:txBody>
+      </p:sp>
+      <p:sp>
+        <p:nvSpPr>
+          <p:cNvPr id="7" name="日期占位符 6"/>
           <p:cNvSpPr>
             <a:spLocks noGrp="1"/>
           </p:cNvSpPr>
@@ -1818,7 +1595,6 @@
           <a:p>
             <a:fld id="{C34E194E-4B6F-449E-8CB0-B0B5847C247C}" type="datetimeFigureOut">
               <a:rPr lang="zh-CN" altLang="en-US" smtClean="0"/>
-              <a:t>2023/3/10</a:t>
             </a:fld>
             <a:endParaRPr lang="zh-CN" altLang="en-US"/>
           </a:p>
@@ -1826,13 +1602,7 @@
       </p:sp>
       <p:sp>
         <p:nvSpPr>
-          <p:cNvPr id="8" name="页脚占位符 7">
-            <a:extLst>
-              <a:ext uri="{FF2B5EF4-FFF2-40B4-BE49-F238E27FC236}">
-                <a16:creationId xmlns:a16="http://schemas.microsoft.com/office/drawing/2014/main" id="{B6F32267-3E5E-4A01-9178-1DA3D590CCF5}"/>
-              </a:ext>
-            </a:extLst>
-          </p:cNvPr>
+          <p:cNvPr id="8" name="页脚占位符 7"/>
           <p:cNvSpPr>
             <a:spLocks noGrp="1"/>
           </p:cNvSpPr>
@@ -1851,13 +1621,7 @@
       </p:sp>
       <p:sp>
         <p:nvSpPr>
-          <p:cNvPr id="9" name="灯片编号占位符 8">
-            <a:extLst>
-              <a:ext uri="{FF2B5EF4-FFF2-40B4-BE49-F238E27FC236}">
-                <a16:creationId xmlns:a16="http://schemas.microsoft.com/office/drawing/2014/main" id="{CACEA561-DCF0-4526-B6E3-2F1F9A820134}"/>
-              </a:ext>
-            </a:extLst>
-          </p:cNvPr>
+          <p:cNvPr id="9" name="灯片编号占位符 8"/>
           <p:cNvSpPr>
             <a:spLocks noGrp="1"/>
           </p:cNvSpPr>
@@ -1872,18 +1636,12 @@
           <a:p>
             <a:fld id="{684E676C-970E-42D1-B9A7-A7F2CF6DFD98}" type="slidenum">
               <a:rPr lang="zh-CN" altLang="en-US" smtClean="0"/>
-              <a:t>‹#›</a:t>
             </a:fld>
             <a:endParaRPr lang="zh-CN" altLang="en-US"/>
           </a:p>
         </p:txBody>
       </p:sp>
     </p:spTree>
-    <p:extLst>
-      <p:ext uri="{BB962C8B-B14F-4D97-AF65-F5344CB8AC3E}">
-        <p14:creationId xmlns:p14="http://schemas.microsoft.com/office/powerpoint/2010/main" val="2248833028"/>
-      </p:ext>
-    </p:extLst>
   </p:cSld>
   <p:clrMapOvr>
     <a:masterClrMapping/>
@@ -1910,13 +1668,7 @@
       </p:grpSpPr>
       <p:sp>
         <p:nvSpPr>
-          <p:cNvPr id="2" name="标题 1">
-            <a:extLst>
-              <a:ext uri="{FF2B5EF4-FFF2-40B4-BE49-F238E27FC236}">
-                <a16:creationId xmlns:a16="http://schemas.microsoft.com/office/drawing/2014/main" id="{C1C2922A-BE9A-4FC6-ADAE-DC6188AB792A}"/>
-              </a:ext>
-            </a:extLst>
-          </p:cNvPr>
+          <p:cNvPr id="2" name="标题 1"/>
           <p:cNvSpPr>
             <a:spLocks noGrp="1"/>
           </p:cNvSpPr>
@@ -1933,18 +1685,13 @@
               <a:rPr lang="zh-CN" altLang="en-US"/>
               <a:t>单击此处编辑母版标题样式</a:t>
             </a:r>
-          </a:p>
-        </p:txBody>
-      </p:sp>
-      <p:sp>
-        <p:nvSpPr>
-          <p:cNvPr id="3" name="日期占位符 2">
-            <a:extLst>
-              <a:ext uri="{FF2B5EF4-FFF2-40B4-BE49-F238E27FC236}">
-                <a16:creationId xmlns:a16="http://schemas.microsoft.com/office/drawing/2014/main" id="{FFD7283D-B22E-4728-BEC6-B125E7B129E8}"/>
-              </a:ext>
-            </a:extLst>
-          </p:cNvPr>
+            <a:endParaRPr lang="zh-CN" altLang="en-US"/>
+          </a:p>
+        </p:txBody>
+      </p:sp>
+      <p:sp>
+        <p:nvSpPr>
+          <p:cNvPr id="3" name="日期占位符 2"/>
           <p:cNvSpPr>
             <a:spLocks noGrp="1"/>
           </p:cNvSpPr>
@@ -1959,7 +1706,6 @@
           <a:p>
             <a:fld id="{C34E194E-4B6F-449E-8CB0-B0B5847C247C}" type="datetimeFigureOut">
               <a:rPr lang="zh-CN" altLang="en-US" smtClean="0"/>
-              <a:t>2023/3/10</a:t>
             </a:fld>
             <a:endParaRPr lang="zh-CN" altLang="en-US"/>
           </a:p>
@@ -1967,13 +1713,7 @@
       </p:sp>
       <p:sp>
         <p:nvSpPr>
-          <p:cNvPr id="4" name="页脚占位符 3">
-            <a:extLst>
-              <a:ext uri="{FF2B5EF4-FFF2-40B4-BE49-F238E27FC236}">
-                <a16:creationId xmlns:a16="http://schemas.microsoft.com/office/drawing/2014/main" id="{92B0D3BC-FEB0-48C0-8907-1A5AB4AB2407}"/>
-              </a:ext>
-            </a:extLst>
-          </p:cNvPr>
+          <p:cNvPr id="4" name="页脚占位符 3"/>
           <p:cNvSpPr>
             <a:spLocks noGrp="1"/>
           </p:cNvSpPr>
@@ -1992,13 +1732,7 @@
       </p:sp>
       <p:sp>
         <p:nvSpPr>
-          <p:cNvPr id="5" name="灯片编号占位符 4">
-            <a:extLst>
-              <a:ext uri="{FF2B5EF4-FFF2-40B4-BE49-F238E27FC236}">
-                <a16:creationId xmlns:a16="http://schemas.microsoft.com/office/drawing/2014/main" id="{8E28E987-EF13-4A13-8435-1BE3B911133F}"/>
-              </a:ext>
-            </a:extLst>
-          </p:cNvPr>
+          <p:cNvPr id="5" name="灯片编号占位符 4"/>
           <p:cNvSpPr>
             <a:spLocks noGrp="1"/>
           </p:cNvSpPr>
@@ -2013,18 +1747,12 @@
           <a:p>
             <a:fld id="{684E676C-970E-42D1-B9A7-A7F2CF6DFD98}" type="slidenum">
               <a:rPr lang="zh-CN" altLang="en-US" smtClean="0"/>
-              <a:t>‹#›</a:t>
             </a:fld>
             <a:endParaRPr lang="zh-CN" altLang="en-US"/>
           </a:p>
         </p:txBody>
       </p:sp>
     </p:spTree>
-    <p:extLst>
-      <p:ext uri="{BB962C8B-B14F-4D97-AF65-F5344CB8AC3E}">
-        <p14:creationId xmlns:p14="http://schemas.microsoft.com/office/powerpoint/2010/main" val="1956685969"/>
-      </p:ext>
-    </p:extLst>
   </p:cSld>
   <p:clrMapOvr>
     <a:masterClrMapping/>
@@ -2051,13 +1779,7 @@
       </p:grpSpPr>
       <p:sp>
         <p:nvSpPr>
-          <p:cNvPr id="2" name="日期占位符 1">
-            <a:extLst>
-              <a:ext uri="{FF2B5EF4-FFF2-40B4-BE49-F238E27FC236}">
-                <a16:creationId xmlns:a16="http://schemas.microsoft.com/office/drawing/2014/main" id="{5538AB46-94FC-4325-870F-6FE7B2285408}"/>
-              </a:ext>
-            </a:extLst>
-          </p:cNvPr>
+          <p:cNvPr id="2" name="日期占位符 1"/>
           <p:cNvSpPr>
             <a:spLocks noGrp="1"/>
           </p:cNvSpPr>
@@ -2072,7 +1794,6 @@
           <a:p>
             <a:fld id="{C34E194E-4B6F-449E-8CB0-B0B5847C247C}" type="datetimeFigureOut">
               <a:rPr lang="zh-CN" altLang="en-US" smtClean="0"/>
-              <a:t>2023/3/10</a:t>
             </a:fld>
             <a:endParaRPr lang="zh-CN" altLang="en-US"/>
           </a:p>
@@ -2080,13 +1801,7 @@
       </p:sp>
       <p:sp>
         <p:nvSpPr>
-          <p:cNvPr id="3" name="页脚占位符 2">
-            <a:extLst>
-              <a:ext uri="{FF2B5EF4-FFF2-40B4-BE49-F238E27FC236}">
-                <a16:creationId xmlns:a16="http://schemas.microsoft.com/office/drawing/2014/main" id="{428990E3-3EF9-47D0-ADEC-F4D0B53D1153}"/>
-              </a:ext>
-            </a:extLst>
-          </p:cNvPr>
+          <p:cNvPr id="3" name="页脚占位符 2"/>
           <p:cNvSpPr>
             <a:spLocks noGrp="1"/>
           </p:cNvSpPr>
@@ -2105,13 +1820,7 @@
       </p:sp>
       <p:sp>
         <p:nvSpPr>
-          <p:cNvPr id="4" name="灯片编号占位符 3">
-            <a:extLst>
-              <a:ext uri="{FF2B5EF4-FFF2-40B4-BE49-F238E27FC236}">
-                <a16:creationId xmlns:a16="http://schemas.microsoft.com/office/drawing/2014/main" id="{236CB818-ED81-4DFB-927B-288B6FD55E0B}"/>
-              </a:ext>
-            </a:extLst>
-          </p:cNvPr>
+          <p:cNvPr id="4" name="灯片编号占位符 3"/>
           <p:cNvSpPr>
             <a:spLocks noGrp="1"/>
           </p:cNvSpPr>
@@ -2126,18 +1835,12 @@
           <a:p>
             <a:fld id="{684E676C-970E-42D1-B9A7-A7F2CF6DFD98}" type="slidenum">
               <a:rPr lang="zh-CN" altLang="en-US" smtClean="0"/>
-              <a:t>‹#›</a:t>
             </a:fld>
             <a:endParaRPr lang="zh-CN" altLang="en-US"/>
           </a:p>
         </p:txBody>
       </p:sp>
     </p:spTree>
-    <p:extLst>
-      <p:ext uri="{BB962C8B-B14F-4D97-AF65-F5344CB8AC3E}">
-        <p14:creationId xmlns:p14="http://schemas.microsoft.com/office/powerpoint/2010/main" val="1699842462"/>
-      </p:ext>
-    </p:extLst>
   </p:cSld>
   <p:clrMapOvr>
     <a:masterClrMapping/>
@@ -2164,13 +1867,7 @@
       </p:grpSpPr>
       <p:sp>
         <p:nvSpPr>
-          <p:cNvPr id="2" name="标题 1">
-            <a:extLst>
-              <a:ext uri="{FF2B5EF4-FFF2-40B4-BE49-F238E27FC236}">
-                <a16:creationId xmlns:a16="http://schemas.microsoft.com/office/drawing/2014/main" id="{FD8EAB6E-617A-47C9-88E4-D3F84216024A}"/>
-              </a:ext>
-            </a:extLst>
-          </p:cNvPr>
+          <p:cNvPr id="2" name="标题 1"/>
           <p:cNvSpPr>
             <a:spLocks noGrp="1"/>
           </p:cNvSpPr>
@@ -2196,18 +1893,13 @@
               <a:rPr lang="zh-CN" altLang="en-US"/>
               <a:t>单击此处编辑母版标题样式</a:t>
             </a:r>
-          </a:p>
-        </p:txBody>
-      </p:sp>
-      <p:sp>
-        <p:nvSpPr>
-          <p:cNvPr id="3" name="内容占位符 2">
-            <a:extLst>
-              <a:ext uri="{FF2B5EF4-FFF2-40B4-BE49-F238E27FC236}">
-                <a16:creationId xmlns:a16="http://schemas.microsoft.com/office/drawing/2014/main" id="{D63B400D-D0E5-4D6B-B1B1-1AEEC9C654EA}"/>
-              </a:ext>
-            </a:extLst>
-          </p:cNvPr>
+            <a:endParaRPr lang="zh-CN" altLang="en-US"/>
+          </a:p>
+        </p:txBody>
+      </p:sp>
+      <p:sp>
+        <p:nvSpPr>
+          <p:cNvPr id="3" name="内容占位符 2"/>
           <p:cNvSpPr>
             <a:spLocks noGrp="1"/>
           </p:cNvSpPr>
@@ -2258,6 +1950,7 @@
               <a:rPr lang="zh-CN" altLang="en-US"/>
               <a:t>单击此处编辑母版文本样式</a:t>
             </a:r>
+            <a:endParaRPr lang="zh-CN" altLang="en-US"/>
           </a:p>
           <a:p>
             <a:pPr lvl="1"/>
@@ -2265,6 +1958,7 @@
               <a:rPr lang="zh-CN" altLang="en-US"/>
               <a:t>二级</a:t>
             </a:r>
+            <a:endParaRPr lang="zh-CN" altLang="en-US"/>
           </a:p>
           <a:p>
             <a:pPr lvl="2"/>
@@ -2272,6 +1966,7 @@
               <a:rPr lang="zh-CN" altLang="en-US"/>
               <a:t>三级</a:t>
             </a:r>
+            <a:endParaRPr lang="zh-CN" altLang="en-US"/>
           </a:p>
           <a:p>
             <a:pPr lvl="3"/>
@@ -2279,6 +1974,7 @@
               <a:rPr lang="zh-CN" altLang="en-US"/>
               <a:t>四级</a:t>
             </a:r>
+            <a:endParaRPr lang="zh-CN" altLang="en-US"/>
           </a:p>
           <a:p>
             <a:pPr lvl="4"/>
@@ -2286,18 +1982,13 @@
               <a:rPr lang="zh-CN" altLang="en-US"/>
               <a:t>五级</a:t>
             </a:r>
-          </a:p>
-        </p:txBody>
-      </p:sp>
-      <p:sp>
-        <p:nvSpPr>
-          <p:cNvPr id="4" name="文本占位符 3">
-            <a:extLst>
-              <a:ext uri="{FF2B5EF4-FFF2-40B4-BE49-F238E27FC236}">
-                <a16:creationId xmlns:a16="http://schemas.microsoft.com/office/drawing/2014/main" id="{454ED8F6-1512-40D8-8DF0-5D6903B2C512}"/>
-              </a:ext>
-            </a:extLst>
-          </p:cNvPr>
+            <a:endParaRPr lang="zh-CN" altLang="en-US"/>
+          </a:p>
+        </p:txBody>
+      </p:sp>
+      <p:sp>
+        <p:nvSpPr>
+          <p:cNvPr id="4" name="文本占位符 3"/>
           <p:cNvSpPr>
             <a:spLocks noGrp="1"/>
           </p:cNvSpPr>
@@ -2357,18 +2048,13 @@
               <a:rPr lang="zh-CN" altLang="en-US"/>
               <a:t>单击此处编辑母版文本样式</a:t>
             </a:r>
-          </a:p>
-        </p:txBody>
-      </p:sp>
-      <p:sp>
-        <p:nvSpPr>
-          <p:cNvPr id="5" name="日期占位符 4">
-            <a:extLst>
-              <a:ext uri="{FF2B5EF4-FFF2-40B4-BE49-F238E27FC236}">
-                <a16:creationId xmlns:a16="http://schemas.microsoft.com/office/drawing/2014/main" id="{F03B0C8C-20D0-407B-8E93-FC2FC02D163B}"/>
-              </a:ext>
-            </a:extLst>
-          </p:cNvPr>
+            <a:endParaRPr lang="zh-CN" altLang="en-US"/>
+          </a:p>
+        </p:txBody>
+      </p:sp>
+      <p:sp>
+        <p:nvSpPr>
+          <p:cNvPr id="5" name="日期占位符 4"/>
           <p:cNvSpPr>
             <a:spLocks noGrp="1"/>
           </p:cNvSpPr>
@@ -2383,7 +2069,6 @@
           <a:p>
             <a:fld id="{C34E194E-4B6F-449E-8CB0-B0B5847C247C}" type="datetimeFigureOut">
               <a:rPr lang="zh-CN" altLang="en-US" smtClean="0"/>
-              <a:t>2023/3/10</a:t>
             </a:fld>
             <a:endParaRPr lang="zh-CN" altLang="en-US"/>
           </a:p>
@@ -2391,13 +2076,7 @@
       </p:sp>
       <p:sp>
         <p:nvSpPr>
-          <p:cNvPr id="6" name="页脚占位符 5">
-            <a:extLst>
-              <a:ext uri="{FF2B5EF4-FFF2-40B4-BE49-F238E27FC236}">
-                <a16:creationId xmlns:a16="http://schemas.microsoft.com/office/drawing/2014/main" id="{EDD2BD1A-0685-4450-A386-587FE4CB318C}"/>
-              </a:ext>
-            </a:extLst>
-          </p:cNvPr>
+          <p:cNvPr id="6" name="页脚占位符 5"/>
           <p:cNvSpPr>
             <a:spLocks noGrp="1"/>
           </p:cNvSpPr>
@@ -2416,13 +2095,7 @@
       </p:sp>
       <p:sp>
         <p:nvSpPr>
-          <p:cNvPr id="7" name="灯片编号占位符 6">
-            <a:extLst>
-              <a:ext uri="{FF2B5EF4-FFF2-40B4-BE49-F238E27FC236}">
-                <a16:creationId xmlns:a16="http://schemas.microsoft.com/office/drawing/2014/main" id="{78F754B4-5415-4B52-B56A-81768686CFE0}"/>
-              </a:ext>
-            </a:extLst>
-          </p:cNvPr>
+          <p:cNvPr id="7" name="灯片编号占位符 6"/>
           <p:cNvSpPr>
             <a:spLocks noGrp="1"/>
           </p:cNvSpPr>
@@ -2437,18 +2110,12 @@
           <a:p>
             <a:fld id="{684E676C-970E-42D1-B9A7-A7F2CF6DFD98}" type="slidenum">
               <a:rPr lang="zh-CN" altLang="en-US" smtClean="0"/>
-              <a:t>‹#›</a:t>
             </a:fld>
             <a:endParaRPr lang="zh-CN" altLang="en-US"/>
           </a:p>
         </p:txBody>
       </p:sp>
     </p:spTree>
-    <p:extLst>
-      <p:ext uri="{BB962C8B-B14F-4D97-AF65-F5344CB8AC3E}">
-        <p14:creationId xmlns:p14="http://schemas.microsoft.com/office/powerpoint/2010/main" val="2476463585"/>
-      </p:ext>
-    </p:extLst>
   </p:cSld>
   <p:clrMapOvr>
     <a:masterClrMapping/>
@@ -2475,13 +2142,7 @@
       </p:grpSpPr>
       <p:sp>
         <p:nvSpPr>
-          <p:cNvPr id="2" name="标题 1">
-            <a:extLst>
-              <a:ext uri="{FF2B5EF4-FFF2-40B4-BE49-F238E27FC236}">
-                <a16:creationId xmlns:a16="http://schemas.microsoft.com/office/drawing/2014/main" id="{0AEB358D-97CE-454A-874D-9B1F1F248661}"/>
-              </a:ext>
-            </a:extLst>
-          </p:cNvPr>
+          <p:cNvPr id="2" name="标题 1"/>
           <p:cNvSpPr>
             <a:spLocks noGrp="1"/>
           </p:cNvSpPr>
@@ -2507,18 +2168,13 @@
               <a:rPr lang="zh-CN" altLang="en-US"/>
               <a:t>单击此处编辑母版标题样式</a:t>
             </a:r>
-          </a:p>
-        </p:txBody>
-      </p:sp>
-      <p:sp>
-        <p:nvSpPr>
-          <p:cNvPr id="3" name="图片占位符 2">
-            <a:extLst>
-              <a:ext uri="{FF2B5EF4-FFF2-40B4-BE49-F238E27FC236}">
-                <a16:creationId xmlns:a16="http://schemas.microsoft.com/office/drawing/2014/main" id="{D7F4D787-2F30-4349-9EE8-7514F1561523}"/>
-              </a:ext>
-            </a:extLst>
-          </p:cNvPr>
+            <a:endParaRPr lang="zh-CN" altLang="en-US"/>
+          </a:p>
+        </p:txBody>
+      </p:sp>
+      <p:sp>
+        <p:nvSpPr>
+          <p:cNvPr id="3" name="图片占位符 2"/>
           <p:cNvSpPr>
             <a:spLocks noGrp="1"/>
           </p:cNvSpPr>
@@ -2579,13 +2235,7 @@
       </p:sp>
       <p:sp>
         <p:nvSpPr>
-          <p:cNvPr id="4" name="文本占位符 3">
-            <a:extLst>
-              <a:ext uri="{FF2B5EF4-FFF2-40B4-BE49-F238E27FC236}">
-                <a16:creationId xmlns:a16="http://schemas.microsoft.com/office/drawing/2014/main" id="{0B2FAE08-689B-4026-AF8B-953FF9115960}"/>
-              </a:ext>
-            </a:extLst>
-          </p:cNvPr>
+          <p:cNvPr id="4" name="文本占位符 3"/>
           <p:cNvSpPr>
             <a:spLocks noGrp="1"/>
           </p:cNvSpPr>
@@ -2645,18 +2295,13 @@
               <a:rPr lang="zh-CN" altLang="en-US"/>
               <a:t>单击此处编辑母版文本样式</a:t>
             </a:r>
-          </a:p>
-        </p:txBody>
-      </p:sp>
-      <p:sp>
-        <p:nvSpPr>
-          <p:cNvPr id="5" name="日期占位符 4">
-            <a:extLst>
-              <a:ext uri="{FF2B5EF4-FFF2-40B4-BE49-F238E27FC236}">
-                <a16:creationId xmlns:a16="http://schemas.microsoft.com/office/drawing/2014/main" id="{E14A294E-F97F-416D-B6B9-FA5D041ED142}"/>
-              </a:ext>
-            </a:extLst>
-          </p:cNvPr>
+            <a:endParaRPr lang="zh-CN" altLang="en-US"/>
+          </a:p>
+        </p:txBody>
+      </p:sp>
+      <p:sp>
+        <p:nvSpPr>
+          <p:cNvPr id="5" name="日期占位符 4"/>
           <p:cNvSpPr>
             <a:spLocks noGrp="1"/>
           </p:cNvSpPr>
@@ -2671,7 +2316,6 @@
           <a:p>
             <a:fld id="{C34E194E-4B6F-449E-8CB0-B0B5847C247C}" type="datetimeFigureOut">
               <a:rPr lang="zh-CN" altLang="en-US" smtClean="0"/>
-              <a:t>2023/3/10</a:t>
             </a:fld>
             <a:endParaRPr lang="zh-CN" altLang="en-US"/>
           </a:p>
@@ -2679,13 +2323,7 @@
       </p:sp>
       <p:sp>
         <p:nvSpPr>
-          <p:cNvPr id="6" name="页脚占位符 5">
-            <a:extLst>
-              <a:ext uri="{FF2B5EF4-FFF2-40B4-BE49-F238E27FC236}">
-                <a16:creationId xmlns:a16="http://schemas.microsoft.com/office/drawing/2014/main" id="{C749DF80-C212-4BCD-96ED-66BF9AC52D3F}"/>
-              </a:ext>
-            </a:extLst>
-          </p:cNvPr>
+          <p:cNvPr id="6" name="页脚占位符 5"/>
           <p:cNvSpPr>
             <a:spLocks noGrp="1"/>
           </p:cNvSpPr>
@@ -2704,13 +2342,7 @@
       </p:sp>
       <p:sp>
         <p:nvSpPr>
-          <p:cNvPr id="7" name="灯片编号占位符 6">
-            <a:extLst>
-              <a:ext uri="{FF2B5EF4-FFF2-40B4-BE49-F238E27FC236}">
-                <a16:creationId xmlns:a16="http://schemas.microsoft.com/office/drawing/2014/main" id="{9927D5EC-1488-4F72-B5DC-1A73D8D46528}"/>
-              </a:ext>
-            </a:extLst>
-          </p:cNvPr>
+          <p:cNvPr id="7" name="灯片编号占位符 6"/>
           <p:cNvSpPr>
             <a:spLocks noGrp="1"/>
           </p:cNvSpPr>
@@ -2725,18 +2357,12 @@
           <a:p>
             <a:fld id="{684E676C-970E-42D1-B9A7-A7F2CF6DFD98}" type="slidenum">
               <a:rPr lang="zh-CN" altLang="en-US" smtClean="0"/>
-              <a:t>‹#›</a:t>
             </a:fld>
             <a:endParaRPr lang="zh-CN" altLang="en-US"/>
           </a:p>
         </p:txBody>
       </p:sp>
     </p:spTree>
-    <p:extLst>
-      <p:ext uri="{BB962C8B-B14F-4D97-AF65-F5344CB8AC3E}">
-        <p14:creationId xmlns:p14="http://schemas.microsoft.com/office/powerpoint/2010/main" val="409313786"/>
-      </p:ext>
-    </p:extLst>
   </p:cSld>
   <p:clrMapOvr>
     <a:masterClrMapping/>
@@ -2768,13 +2394,7 @@
       </p:grpSpPr>
       <p:sp>
         <p:nvSpPr>
-          <p:cNvPr id="2" name="标题占位符 1">
-            <a:extLst>
-              <a:ext uri="{FF2B5EF4-FFF2-40B4-BE49-F238E27FC236}">
-                <a16:creationId xmlns:a16="http://schemas.microsoft.com/office/drawing/2014/main" id="{220E391F-407C-45BA-9260-D771417CB725}"/>
-              </a:ext>
-            </a:extLst>
-          </p:cNvPr>
+          <p:cNvPr id="2" name="标题占位符 1"/>
           <p:cNvSpPr>
             <a:spLocks noGrp="1"/>
           </p:cNvSpPr>
@@ -2801,18 +2421,13 @@
               <a:rPr lang="zh-CN" altLang="en-US"/>
               <a:t>单击此处编辑母版标题样式</a:t>
             </a:r>
-          </a:p>
-        </p:txBody>
-      </p:sp>
-      <p:sp>
-        <p:nvSpPr>
-          <p:cNvPr id="3" name="文本占位符 2">
-            <a:extLst>
-              <a:ext uri="{FF2B5EF4-FFF2-40B4-BE49-F238E27FC236}">
-                <a16:creationId xmlns:a16="http://schemas.microsoft.com/office/drawing/2014/main" id="{A479D47C-FC72-4EC4-B4BC-76AA08EF841A}"/>
-              </a:ext>
-            </a:extLst>
-          </p:cNvPr>
+            <a:endParaRPr lang="zh-CN" altLang="en-US"/>
+          </a:p>
+        </p:txBody>
+      </p:sp>
+      <p:sp>
+        <p:nvSpPr>
+          <p:cNvPr id="3" name="文本占位符 2"/>
           <p:cNvSpPr>
             <a:spLocks noGrp="1"/>
           </p:cNvSpPr>
@@ -2840,6 +2455,7 @@
               <a:rPr lang="zh-CN" altLang="en-US"/>
               <a:t>单击此处编辑母版文本样式</a:t>
             </a:r>
+            <a:endParaRPr lang="zh-CN" altLang="en-US"/>
           </a:p>
           <a:p>
             <a:pPr lvl="1"/>
@@ -2847,6 +2463,7 @@
               <a:rPr lang="zh-CN" altLang="en-US"/>
               <a:t>二级</a:t>
             </a:r>
+            <a:endParaRPr lang="zh-CN" altLang="en-US"/>
           </a:p>
           <a:p>
             <a:pPr lvl="2"/>
@@ -2854,6 +2471,7 @@
               <a:rPr lang="zh-CN" altLang="en-US"/>
               <a:t>三级</a:t>
             </a:r>
+            <a:endParaRPr lang="zh-CN" altLang="en-US"/>
           </a:p>
           <a:p>
             <a:pPr lvl="3"/>
@@ -2861,6 +2479,7 @@
               <a:rPr lang="zh-CN" altLang="en-US"/>
               <a:t>四级</a:t>
             </a:r>
+            <a:endParaRPr lang="zh-CN" altLang="en-US"/>
           </a:p>
           <a:p>
             <a:pPr lvl="4"/>
@@ -2868,18 +2487,13 @@
               <a:rPr lang="zh-CN" altLang="en-US"/>
               <a:t>五级</a:t>
             </a:r>
-          </a:p>
-        </p:txBody>
-      </p:sp>
-      <p:sp>
-        <p:nvSpPr>
-          <p:cNvPr id="4" name="日期占位符 3">
-            <a:extLst>
-              <a:ext uri="{FF2B5EF4-FFF2-40B4-BE49-F238E27FC236}">
-                <a16:creationId xmlns:a16="http://schemas.microsoft.com/office/drawing/2014/main" id="{DBEB2064-AFC3-481B-81E7-DD37927A12C1}"/>
-              </a:ext>
-            </a:extLst>
-          </p:cNvPr>
+            <a:endParaRPr lang="zh-CN" altLang="en-US"/>
+          </a:p>
+        </p:txBody>
+      </p:sp>
+      <p:sp>
+        <p:nvSpPr>
+          <p:cNvPr id="4" name="日期占位符 3"/>
           <p:cNvSpPr>
             <a:spLocks noGrp="1"/>
           </p:cNvSpPr>
@@ -2912,7 +2526,6 @@
           <a:p>
             <a:fld id="{C34E194E-4B6F-449E-8CB0-B0B5847C247C}" type="datetimeFigureOut">
               <a:rPr lang="zh-CN" altLang="en-US" smtClean="0"/>
-              <a:t>2023/3/10</a:t>
             </a:fld>
             <a:endParaRPr lang="zh-CN" altLang="en-US"/>
           </a:p>
@@ -2920,13 +2533,7 @@
       </p:sp>
       <p:sp>
         <p:nvSpPr>
-          <p:cNvPr id="5" name="页脚占位符 4">
-            <a:extLst>
-              <a:ext uri="{FF2B5EF4-FFF2-40B4-BE49-F238E27FC236}">
-                <a16:creationId xmlns:a16="http://schemas.microsoft.com/office/drawing/2014/main" id="{D6132FB8-1B9C-4F40-9E43-FC46D870D945}"/>
-              </a:ext>
-            </a:extLst>
-          </p:cNvPr>
+          <p:cNvPr id="5" name="页脚占位符 4"/>
           <p:cNvSpPr>
             <a:spLocks noGrp="1"/>
           </p:cNvSpPr>
@@ -2963,13 +2570,7 @@
       </p:sp>
       <p:sp>
         <p:nvSpPr>
-          <p:cNvPr id="6" name="灯片编号占位符 5">
-            <a:extLst>
-              <a:ext uri="{FF2B5EF4-FFF2-40B4-BE49-F238E27FC236}">
-                <a16:creationId xmlns:a16="http://schemas.microsoft.com/office/drawing/2014/main" id="{AC5A02A0-F1D1-4019-9B0D-F90444012E88}"/>
-              </a:ext>
-            </a:extLst>
-          </p:cNvPr>
+          <p:cNvPr id="6" name="灯片编号占位符 5"/>
           <p:cNvSpPr>
             <a:spLocks noGrp="1"/>
           </p:cNvSpPr>
@@ -3002,18 +2603,12 @@
           <a:p>
             <a:fld id="{684E676C-970E-42D1-B9A7-A7F2CF6DFD98}" type="slidenum">
               <a:rPr lang="zh-CN" altLang="en-US" smtClean="0"/>
-              <a:t>‹#›</a:t>
             </a:fld>
             <a:endParaRPr lang="zh-CN" altLang="en-US"/>
           </a:p>
         </p:txBody>
       </p:sp>
     </p:spTree>
-    <p:extLst>
-      <p:ext uri="{BB962C8B-B14F-4D97-AF65-F5344CB8AC3E}">
-        <p14:creationId xmlns:p14="http://schemas.microsoft.com/office/powerpoint/2010/main" val="2303730368"/>
-      </p:ext>
-    </p:extLst>
   </p:cSld>
   <p:clrMap bg1="lt1" tx1="dk1" bg2="lt2" tx2="dk2" accent1="accent1" accent2="accent2" accent3="accent3" accent4="accent4" accent5="accent5" accent6="accent6" hlink="hlink" folHlink="folHlink"/>
   <p:sldLayoutIdLst>
@@ -3057,7 +2652,7 @@
         <a:spcBef>
           <a:spcPts val="1000"/>
         </a:spcBef>
-        <a:buFont typeface="Arial" panose="020B0604020202020204" pitchFamily="34" charset="0"/>
+        <a:buFont typeface="Arial" panose="020B0604020202090204" pitchFamily="34" charset="0"/>
         <a:buChar char="•"/>
         <a:defRPr sz="2800" kern="1200">
           <a:solidFill>
@@ -3075,7 +2670,7 @@
         <a:spcBef>
           <a:spcPts val="500"/>
         </a:spcBef>
-        <a:buFont typeface="Arial" panose="020B0604020202020204" pitchFamily="34" charset="0"/>
+        <a:buFont typeface="Arial" panose="020B0604020202090204" pitchFamily="34" charset="0"/>
         <a:buChar char="•"/>
         <a:defRPr sz="2400" kern="1200">
           <a:solidFill>
@@ -3093,7 +2688,7 @@
         <a:spcBef>
           <a:spcPts val="500"/>
         </a:spcBef>
-        <a:buFont typeface="Arial" panose="020B0604020202020204" pitchFamily="34" charset="0"/>
+        <a:buFont typeface="Arial" panose="020B0604020202090204" pitchFamily="34" charset="0"/>
         <a:buChar char="•"/>
         <a:defRPr sz="2000" kern="1200">
           <a:solidFill>
@@ -3111,7 +2706,7 @@
         <a:spcBef>
           <a:spcPts val="500"/>
         </a:spcBef>
-        <a:buFont typeface="Arial" panose="020B0604020202020204" pitchFamily="34" charset="0"/>
+        <a:buFont typeface="Arial" panose="020B0604020202090204" pitchFamily="34" charset="0"/>
         <a:buChar char="•"/>
         <a:defRPr sz="1800" kern="1200">
           <a:solidFill>
@@ -3129,7 +2724,7 @@
         <a:spcBef>
           <a:spcPts val="500"/>
         </a:spcBef>
-        <a:buFont typeface="Arial" panose="020B0604020202020204" pitchFamily="34" charset="0"/>
+        <a:buFont typeface="Arial" panose="020B0604020202090204" pitchFamily="34" charset="0"/>
         <a:buChar char="•"/>
         <a:defRPr sz="1800" kern="1200">
           <a:solidFill>
@@ -3147,7 +2742,7 @@
         <a:spcBef>
           <a:spcPts val="500"/>
         </a:spcBef>
-        <a:buFont typeface="Arial" panose="020B0604020202020204" pitchFamily="34" charset="0"/>
+        <a:buFont typeface="Arial" panose="020B0604020202090204" pitchFamily="34" charset="0"/>
         <a:buChar char="•"/>
         <a:defRPr sz="1800" kern="1200">
           <a:solidFill>
@@ -3165,7 +2760,7 @@
         <a:spcBef>
           <a:spcPts val="500"/>
         </a:spcBef>
-        <a:buFont typeface="Arial" panose="020B0604020202020204" pitchFamily="34" charset="0"/>
+        <a:buFont typeface="Arial" panose="020B0604020202090204" pitchFamily="34" charset="0"/>
         <a:buChar char="•"/>
         <a:defRPr sz="1800" kern="1200">
           <a:solidFill>
@@ -3183,7 +2778,7 @@
         <a:spcBef>
           <a:spcPts val="500"/>
         </a:spcBef>
-        <a:buFont typeface="Arial" panose="020B0604020202020204" pitchFamily="34" charset="0"/>
+        <a:buFont typeface="Arial" panose="020B0604020202090204" pitchFamily="34" charset="0"/>
         <a:buChar char="•"/>
         <a:defRPr sz="1800" kern="1200">
           <a:solidFill>
@@ -3201,7 +2796,7 @@
         <a:spcBef>
           <a:spcPts val="500"/>
         </a:spcBef>
-        <a:buFont typeface="Arial" panose="020B0604020202020204" pitchFamily="34" charset="0"/>
+        <a:buFont typeface="Arial" panose="020B0604020202090204" pitchFamily="34" charset="0"/>
         <a:buChar char="•"/>
         <a:defRPr sz="1800" kern="1200">
           <a:solidFill>
@@ -3331,16 +2926,8 @@
       </p:grpSpPr>
       <p:cxnSp>
         <p:nvCxnSpPr>
-          <p:cNvPr id="17" name="直接箭头连接符 16">
-            <a:extLst>
-              <a:ext uri="{FF2B5EF4-FFF2-40B4-BE49-F238E27FC236}">
-                <a16:creationId xmlns:a16="http://schemas.microsoft.com/office/drawing/2014/main" id="{F70E992A-D558-410B-9DBA-3474F889C5F0}"/>
-              </a:ext>
-            </a:extLst>
-          </p:cNvPr>
-          <p:cNvCxnSpPr>
-            <a:cxnSpLocks/>
-          </p:cNvCxnSpPr>
+          <p:cNvPr id="17" name="直接箭头连接符 16"/>
+          <p:cNvCxnSpPr/>
           <p:nvPr/>
         </p:nvCxnSpPr>
         <p:spPr>
@@ -3372,16 +2959,8 @@
       </p:cxnSp>
       <p:cxnSp>
         <p:nvCxnSpPr>
-          <p:cNvPr id="21" name="直接箭头连接符 20">
-            <a:extLst>
-              <a:ext uri="{FF2B5EF4-FFF2-40B4-BE49-F238E27FC236}">
-                <a16:creationId xmlns:a16="http://schemas.microsoft.com/office/drawing/2014/main" id="{877A6F2C-C30D-4FAB-AAA6-48BEE82EF4C0}"/>
-              </a:ext>
-            </a:extLst>
-          </p:cNvPr>
-          <p:cNvCxnSpPr>
-            <a:cxnSpLocks/>
-          </p:cNvCxnSpPr>
+          <p:cNvPr id="21" name="直接箭头连接符 20"/>
+          <p:cNvCxnSpPr/>
           <p:nvPr/>
         </p:nvCxnSpPr>
         <p:spPr>
@@ -3414,13 +2993,7 @@
       </p:cxnSp>
       <p:cxnSp>
         <p:nvCxnSpPr>
-          <p:cNvPr id="26" name="直接箭头连接符 25">
-            <a:extLst>
-              <a:ext uri="{FF2B5EF4-FFF2-40B4-BE49-F238E27FC236}">
-                <a16:creationId xmlns:a16="http://schemas.microsoft.com/office/drawing/2014/main" id="{3F3A8675-54C4-4758-8F96-E38472FFBD36}"/>
-              </a:ext>
-            </a:extLst>
-          </p:cNvPr>
+          <p:cNvPr id="26" name="直接箭头连接符 25"/>
           <p:cNvCxnSpPr/>
           <p:nvPr/>
         </p:nvCxnSpPr>
@@ -3453,13 +3026,7 @@
       </p:cxnSp>
       <p:cxnSp>
         <p:nvCxnSpPr>
-          <p:cNvPr id="3" name="直接连接符 2">
-            <a:extLst>
-              <a:ext uri="{FF2B5EF4-FFF2-40B4-BE49-F238E27FC236}">
-                <a16:creationId xmlns:a16="http://schemas.microsoft.com/office/drawing/2014/main" id="{B1019748-7781-4D4A-B80A-0B469729E391}"/>
-              </a:ext>
-            </a:extLst>
-          </p:cNvPr>
+          <p:cNvPr id="3" name="直接连接符 2"/>
           <p:cNvCxnSpPr/>
           <p:nvPr/>
         </p:nvCxnSpPr>
@@ -3489,13 +3056,7 @@
       </p:cxnSp>
       <p:cxnSp>
         <p:nvCxnSpPr>
-          <p:cNvPr id="5" name="直接连接符 4">
-            <a:extLst>
-              <a:ext uri="{FF2B5EF4-FFF2-40B4-BE49-F238E27FC236}">
-                <a16:creationId xmlns:a16="http://schemas.microsoft.com/office/drawing/2014/main" id="{744AC53F-BCC9-481A-8944-CD89ADD5DE4F}"/>
-              </a:ext>
-            </a:extLst>
-          </p:cNvPr>
+          <p:cNvPr id="5" name="直接连接符 4"/>
           <p:cNvCxnSpPr/>
           <p:nvPr/>
         </p:nvCxnSpPr>
@@ -3524,11 +3085,6 @@
         </p:style>
       </p:cxnSp>
     </p:spTree>
-    <p:extLst>
-      <p:ext uri="{BB962C8B-B14F-4D97-AF65-F5344CB8AC3E}">
-        <p14:creationId xmlns:p14="http://schemas.microsoft.com/office/powerpoint/2010/main" val="2558468810"/>
-      </p:ext>
-    </p:extLst>
   </p:cSld>
   <p:clrMapOvr>
     <a:masterClrMapping/>
@@ -3555,13 +3111,7 @@
       </p:grpSpPr>
       <p:cxnSp>
         <p:nvCxnSpPr>
-          <p:cNvPr id="8" name="直接连接符 7">
-            <a:extLst>
-              <a:ext uri="{FF2B5EF4-FFF2-40B4-BE49-F238E27FC236}">
-                <a16:creationId xmlns:a16="http://schemas.microsoft.com/office/drawing/2014/main" id="{ECCA3E35-9490-44B5-BE8A-FFF450790E5B}"/>
-              </a:ext>
-            </a:extLst>
-          </p:cNvPr>
+          <p:cNvPr id="8" name="直接连接符 7"/>
           <p:cNvCxnSpPr/>
           <p:nvPr/>
         </p:nvCxnSpPr>
@@ -3591,13 +3141,7 @@
       </p:cxnSp>
       <p:cxnSp>
         <p:nvCxnSpPr>
-          <p:cNvPr id="9" name="直接连接符 8">
-            <a:extLst>
-              <a:ext uri="{FF2B5EF4-FFF2-40B4-BE49-F238E27FC236}">
-                <a16:creationId xmlns:a16="http://schemas.microsoft.com/office/drawing/2014/main" id="{5F283C7A-21BA-48CE-8DDC-50F9A4AA53B6}"/>
-              </a:ext>
-            </a:extLst>
-          </p:cNvPr>
+          <p:cNvPr id="9" name="直接连接符 8"/>
           <p:cNvCxnSpPr/>
           <p:nvPr/>
         </p:nvCxnSpPr>
@@ -3631,13 +3175,7 @@
       </p:cxnSp>
       <p:cxnSp>
         <p:nvCxnSpPr>
-          <p:cNvPr id="10" name="直接连接符 9">
-            <a:extLst>
-              <a:ext uri="{FF2B5EF4-FFF2-40B4-BE49-F238E27FC236}">
-                <a16:creationId xmlns:a16="http://schemas.microsoft.com/office/drawing/2014/main" id="{61EC33DD-3102-4574-AB8C-25E7ECB78952}"/>
-              </a:ext>
-            </a:extLst>
-          </p:cNvPr>
+          <p:cNvPr id="10" name="直接连接符 9"/>
           <p:cNvCxnSpPr/>
           <p:nvPr/>
         </p:nvCxnSpPr>
@@ -3671,13 +3209,7 @@
       </p:cxnSp>
       <p:cxnSp>
         <p:nvCxnSpPr>
-          <p:cNvPr id="11" name="直接连接符 10">
-            <a:extLst>
-              <a:ext uri="{FF2B5EF4-FFF2-40B4-BE49-F238E27FC236}">
-                <a16:creationId xmlns:a16="http://schemas.microsoft.com/office/drawing/2014/main" id="{616BB3E1-3FE2-47E3-A6D3-6759C3F93925}"/>
-              </a:ext>
-            </a:extLst>
-          </p:cNvPr>
+          <p:cNvPr id="11" name="直接连接符 10"/>
           <p:cNvCxnSpPr/>
           <p:nvPr/>
         </p:nvCxnSpPr>
@@ -3711,13 +3243,7 @@
       </p:cxnSp>
       <p:cxnSp>
         <p:nvCxnSpPr>
-          <p:cNvPr id="12" name="直接连接符 11">
-            <a:extLst>
-              <a:ext uri="{FF2B5EF4-FFF2-40B4-BE49-F238E27FC236}">
-                <a16:creationId xmlns:a16="http://schemas.microsoft.com/office/drawing/2014/main" id="{920E57CB-3424-4ABA-B451-FE2614C656A7}"/>
-              </a:ext>
-            </a:extLst>
-          </p:cNvPr>
+          <p:cNvPr id="12" name="直接连接符 11"/>
           <p:cNvCxnSpPr/>
           <p:nvPr/>
         </p:nvCxnSpPr>
@@ -3751,13 +3277,7 @@
       </p:cxnSp>
       <p:cxnSp>
         <p:nvCxnSpPr>
-          <p:cNvPr id="13" name="直接连接符 12">
-            <a:extLst>
-              <a:ext uri="{FF2B5EF4-FFF2-40B4-BE49-F238E27FC236}">
-                <a16:creationId xmlns:a16="http://schemas.microsoft.com/office/drawing/2014/main" id="{7D8620C8-F65B-40D9-9E32-06E4ABC8628C}"/>
-              </a:ext>
-            </a:extLst>
-          </p:cNvPr>
+          <p:cNvPr id="13" name="直接连接符 12"/>
           <p:cNvCxnSpPr/>
           <p:nvPr/>
         </p:nvCxnSpPr>
@@ -3769,7 +3289,232 @@
           <a:prstGeom prst="line">
             <a:avLst/>
           </a:prstGeom>
-          <a:ln>
+          <a:ln w="25400">
+            <a:headEnd type="oval"/>
+            <a:tailEnd type="oval"/>
+          </a:ln>
+        </p:spPr>
+        <p:style>
+          <a:lnRef idx="1">
+            <a:schemeClr val="accent1"/>
+          </a:lnRef>
+          <a:fillRef idx="0">
+            <a:schemeClr val="accent1"/>
+          </a:fillRef>
+          <a:effectRef idx="0">
+            <a:schemeClr val="accent1"/>
+          </a:effectRef>
+          <a:fontRef idx="minor">
+            <a:schemeClr val="tx1"/>
+          </a:fontRef>
+        </p:style>
+      </p:cxnSp>
+      <p:cxnSp>
+        <p:nvCxnSpPr>
+          <p:cNvPr id="2" name="直接连接符 1"/>
+          <p:cNvCxnSpPr/>
+          <p:nvPr>
+            <p:custDataLst>
+              <p:tags r:id="rId1"/>
+            </p:custDataLst>
+          </p:nvPr>
+        </p:nvCxnSpPr>
+        <p:spPr>
+          <a:xfrm>
+            <a:off x="7610148" y="1879251"/>
+            <a:ext cx="0" cy="2698812"/>
+          </a:xfrm>
+          <a:prstGeom prst="line">
+            <a:avLst/>
+          </a:prstGeom>
+          <a:ln w="127000"/>
+        </p:spPr>
+        <p:style>
+          <a:lnRef idx="1">
+            <a:schemeClr val="accent1"/>
+          </a:lnRef>
+          <a:fillRef idx="0">
+            <a:schemeClr val="accent1"/>
+          </a:fillRef>
+          <a:effectRef idx="0">
+            <a:schemeClr val="accent1"/>
+          </a:effectRef>
+          <a:fontRef idx="minor">
+            <a:schemeClr val="tx1"/>
+          </a:fontRef>
+        </p:style>
+      </p:cxnSp>
+      <p:cxnSp>
+        <p:nvCxnSpPr>
+          <p:cNvPr id="3" name="直接连接符 2"/>
+          <p:cNvCxnSpPr/>
+          <p:nvPr>
+            <p:custDataLst>
+              <p:tags r:id="rId2"/>
+            </p:custDataLst>
+          </p:nvPr>
+        </p:nvCxnSpPr>
+        <p:spPr>
+          <a:xfrm>
+            <a:off x="7932697" y="1879251"/>
+            <a:ext cx="0" cy="2698812"/>
+          </a:xfrm>
+          <a:prstGeom prst="line">
+            <a:avLst/>
+          </a:prstGeom>
+          <a:ln w="127000">
+            <a:headEnd type="stealth"/>
+            <a:tailEnd type="stealth"/>
+          </a:ln>
+        </p:spPr>
+        <p:style>
+          <a:lnRef idx="1">
+            <a:schemeClr val="accent1"/>
+          </a:lnRef>
+          <a:fillRef idx="0">
+            <a:schemeClr val="accent1"/>
+          </a:fillRef>
+          <a:effectRef idx="0">
+            <a:schemeClr val="accent1"/>
+          </a:effectRef>
+          <a:fontRef idx="minor">
+            <a:schemeClr val="tx1"/>
+          </a:fontRef>
+        </p:style>
+      </p:cxnSp>
+      <p:cxnSp>
+        <p:nvCxnSpPr>
+          <p:cNvPr id="4" name="直接连接符 3"/>
+          <p:cNvCxnSpPr/>
+          <p:nvPr>
+            <p:custDataLst>
+              <p:tags r:id="rId3"/>
+            </p:custDataLst>
+          </p:nvPr>
+        </p:nvCxnSpPr>
+        <p:spPr>
+          <a:xfrm>
+            <a:off x="8334479" y="1879251"/>
+            <a:ext cx="0" cy="2698812"/>
+          </a:xfrm>
+          <a:prstGeom prst="line">
+            <a:avLst/>
+          </a:prstGeom>
+          <a:ln w="127000">
+            <a:headEnd type="triangle"/>
+            <a:tailEnd type="triangle"/>
+          </a:ln>
+        </p:spPr>
+        <p:style>
+          <a:lnRef idx="1">
+            <a:schemeClr val="accent1"/>
+          </a:lnRef>
+          <a:fillRef idx="0">
+            <a:schemeClr val="accent1"/>
+          </a:fillRef>
+          <a:effectRef idx="0">
+            <a:schemeClr val="accent1"/>
+          </a:effectRef>
+          <a:fontRef idx="minor">
+            <a:schemeClr val="tx1"/>
+          </a:fontRef>
+        </p:style>
+      </p:cxnSp>
+      <p:cxnSp>
+        <p:nvCxnSpPr>
+          <p:cNvPr id="5" name="直接连接符 4"/>
+          <p:cNvCxnSpPr/>
+          <p:nvPr>
+            <p:custDataLst>
+              <p:tags r:id="rId4"/>
+            </p:custDataLst>
+          </p:nvPr>
+        </p:nvCxnSpPr>
+        <p:spPr>
+          <a:xfrm>
+            <a:off x="8680842" y="1879251"/>
+            <a:ext cx="0" cy="2698812"/>
+          </a:xfrm>
+          <a:prstGeom prst="line">
+            <a:avLst/>
+          </a:prstGeom>
+          <a:ln w="127000">
+            <a:headEnd type="arrow"/>
+            <a:tailEnd type="arrow"/>
+          </a:ln>
+        </p:spPr>
+        <p:style>
+          <a:lnRef idx="1">
+            <a:schemeClr val="accent1"/>
+          </a:lnRef>
+          <a:fillRef idx="0">
+            <a:schemeClr val="accent1"/>
+          </a:fillRef>
+          <a:effectRef idx="0">
+            <a:schemeClr val="accent1"/>
+          </a:effectRef>
+          <a:fontRef idx="minor">
+            <a:schemeClr val="tx1"/>
+          </a:fontRef>
+        </p:style>
+      </p:cxnSp>
+      <p:cxnSp>
+        <p:nvCxnSpPr>
+          <p:cNvPr id="6" name="直接连接符 5"/>
+          <p:cNvCxnSpPr/>
+          <p:nvPr>
+            <p:custDataLst>
+              <p:tags r:id="rId5"/>
+            </p:custDataLst>
+          </p:nvPr>
+        </p:nvCxnSpPr>
+        <p:spPr>
+          <a:xfrm>
+            <a:off x="8958077" y="1912589"/>
+            <a:ext cx="0" cy="2698812"/>
+          </a:xfrm>
+          <a:prstGeom prst="line">
+            <a:avLst/>
+          </a:prstGeom>
+          <a:ln w="127000">
+            <a:headEnd type="diamond"/>
+            <a:tailEnd type="diamond"/>
+          </a:ln>
+        </p:spPr>
+        <p:style>
+          <a:lnRef idx="1">
+            <a:schemeClr val="accent1"/>
+          </a:lnRef>
+          <a:fillRef idx="0">
+            <a:schemeClr val="accent1"/>
+          </a:fillRef>
+          <a:effectRef idx="0">
+            <a:schemeClr val="accent1"/>
+          </a:effectRef>
+          <a:fontRef idx="minor">
+            <a:schemeClr val="tx1"/>
+          </a:fontRef>
+        </p:style>
+      </p:cxnSp>
+      <p:cxnSp>
+        <p:nvCxnSpPr>
+          <p:cNvPr id="7" name="直接连接符 6"/>
+          <p:cNvCxnSpPr/>
+          <p:nvPr>
+            <p:custDataLst>
+              <p:tags r:id="rId6"/>
+            </p:custDataLst>
+          </p:nvPr>
+        </p:nvCxnSpPr>
+        <p:spPr>
+          <a:xfrm>
+            <a:off x="9251187" y="1912589"/>
+            <a:ext cx="0" cy="2698812"/>
+          </a:xfrm>
+          <a:prstGeom prst="line">
+            <a:avLst/>
+          </a:prstGeom>
+          <a:ln w="127000">
             <a:headEnd type="oval"/>
             <a:tailEnd type="oval"/>
           </a:ln>
@@ -3790,11 +3535,6 @@
         </p:style>
       </p:cxnSp>
     </p:spTree>
-    <p:extLst>
-      <p:ext uri="{BB962C8B-B14F-4D97-AF65-F5344CB8AC3E}">
-        <p14:creationId xmlns:p14="http://schemas.microsoft.com/office/powerpoint/2010/main" val="1733243611"/>
-      </p:ext>
-    </p:extLst>
   </p:cSld>
   <p:clrMapOvr>
     <a:masterClrMapping/>
@@ -3821,26 +3561,20 @@
       </p:grpSpPr>
       <p:cxnSp>
         <p:nvCxnSpPr>
-          <p:cNvPr id="7" name="直接连接符 6">
-            <a:extLst>
-              <a:ext uri="{FF2B5EF4-FFF2-40B4-BE49-F238E27FC236}">
-                <a16:creationId xmlns:a16="http://schemas.microsoft.com/office/drawing/2014/main" id="{E2488002-E813-4328-9C8E-EF15C734C6F2}"/>
-              </a:ext>
-            </a:extLst>
-          </p:cNvPr>
+          <p:cNvPr id="7" name="直接连接符 6"/>
           <p:cNvCxnSpPr/>
           <p:nvPr/>
         </p:nvCxnSpPr>
         <p:spPr>
           <a:xfrm>
-            <a:off x="1995055" y="2059709"/>
+            <a:off x="1255280" y="2058439"/>
             <a:ext cx="0" cy="1754909"/>
           </a:xfrm>
           <a:prstGeom prst="line">
             <a:avLst/>
           </a:prstGeom>
-          <a:ln>
-            <a:headEnd type="diamond"/>
+          <a:ln w="127000">
+            <a:headEnd type="diamond" w="sm" len="sm"/>
             <a:tailEnd type="oval"/>
           </a:ln>
         </p:spPr>
@@ -3861,26 +3595,20 @@
       </p:cxnSp>
       <p:cxnSp>
         <p:nvCxnSpPr>
-          <p:cNvPr id="12" name="直接连接符 11">
-            <a:extLst>
-              <a:ext uri="{FF2B5EF4-FFF2-40B4-BE49-F238E27FC236}">
-                <a16:creationId xmlns:a16="http://schemas.microsoft.com/office/drawing/2014/main" id="{4FF09BF5-88A5-40C5-9DB1-5E438F040895}"/>
-              </a:ext>
-            </a:extLst>
-          </p:cNvPr>
+          <p:cNvPr id="12" name="直接连接符 11"/>
           <p:cNvCxnSpPr/>
           <p:nvPr/>
         </p:nvCxnSpPr>
         <p:spPr>
           <a:xfrm>
-            <a:off x="2203211" y="2059709"/>
+            <a:off x="1652666" y="2059709"/>
             <a:ext cx="0" cy="1754909"/>
           </a:xfrm>
           <a:prstGeom prst="line">
             <a:avLst/>
           </a:prstGeom>
-          <a:ln w="12700">
-            <a:headEnd type="diamond"/>
+          <a:ln w="127000">
+            <a:headEnd type="diamond" w="sm" len="med"/>
             <a:tailEnd type="oval"/>
           </a:ln>
         </p:spPr>
@@ -3901,26 +3629,20 @@
       </p:cxnSp>
       <p:cxnSp>
         <p:nvCxnSpPr>
-          <p:cNvPr id="13" name="直接连接符 12">
-            <a:extLst>
-              <a:ext uri="{FF2B5EF4-FFF2-40B4-BE49-F238E27FC236}">
-                <a16:creationId xmlns:a16="http://schemas.microsoft.com/office/drawing/2014/main" id="{91547AC4-EAB8-4576-85EC-5FBAE04314F2}"/>
-              </a:ext>
-            </a:extLst>
-          </p:cNvPr>
+          <p:cNvPr id="13" name="直接连接符 12"/>
           <p:cNvCxnSpPr/>
           <p:nvPr/>
         </p:nvCxnSpPr>
         <p:spPr>
           <a:xfrm>
-            <a:off x="2444820" y="2059709"/>
+            <a:off x="2050485" y="2059709"/>
             <a:ext cx="0" cy="1754909"/>
           </a:xfrm>
           <a:prstGeom prst="line">
             <a:avLst/>
           </a:prstGeom>
-          <a:ln w="19050">
-            <a:headEnd type="diamond"/>
+          <a:ln w="127000">
+            <a:headEnd type="diamond" w="sm" len="lg"/>
             <a:tailEnd type="oval"/>
           </a:ln>
         </p:spPr>
@@ -3941,26 +3663,20 @@
       </p:cxnSp>
       <p:cxnSp>
         <p:nvCxnSpPr>
-          <p:cNvPr id="14" name="直接连接符 13">
-            <a:extLst>
-              <a:ext uri="{FF2B5EF4-FFF2-40B4-BE49-F238E27FC236}">
-                <a16:creationId xmlns:a16="http://schemas.microsoft.com/office/drawing/2014/main" id="{C0E97FF6-922A-4A3C-A63D-3CFEFD42AC41}"/>
-              </a:ext>
-            </a:extLst>
-          </p:cNvPr>
+          <p:cNvPr id="14" name="直接连接符 13"/>
           <p:cNvCxnSpPr/>
           <p:nvPr/>
         </p:nvCxnSpPr>
         <p:spPr>
           <a:xfrm>
-            <a:off x="2697581" y="2059709"/>
+            <a:off x="2448026" y="2057804"/>
             <a:ext cx="0" cy="1754909"/>
           </a:xfrm>
           <a:prstGeom prst="line">
             <a:avLst/>
           </a:prstGeom>
-          <a:ln w="25400">
-            <a:headEnd type="diamond"/>
+          <a:ln w="127000">
+            <a:headEnd type="diamond" w="med" len="sm"/>
             <a:tailEnd type="oval"/>
           </a:ln>
         </p:spPr>
@@ -3981,139 +3697,13 @@
       </p:cxnSp>
       <p:cxnSp>
         <p:nvCxnSpPr>
-          <p:cNvPr id="15" name="直接连接符 14">
-            <a:extLst>
-              <a:ext uri="{FF2B5EF4-FFF2-40B4-BE49-F238E27FC236}">
-                <a16:creationId xmlns:a16="http://schemas.microsoft.com/office/drawing/2014/main" id="{36D029E8-AC5D-488B-A6BA-A3B37434C3DC}"/>
-              </a:ext>
-            </a:extLst>
-          </p:cNvPr>
+          <p:cNvPr id="15" name="直接连接符 14"/>
           <p:cNvCxnSpPr/>
           <p:nvPr/>
         </p:nvCxnSpPr>
         <p:spPr>
           <a:xfrm>
-            <a:off x="2916889" y="2059709"/>
-            <a:ext cx="0" cy="1754909"/>
-          </a:xfrm>
-          <a:prstGeom prst="line">
-            <a:avLst/>
-          </a:prstGeom>
-          <a:ln w="31750">
-            <a:headEnd type="diamond"/>
-            <a:tailEnd type="oval"/>
-          </a:ln>
-        </p:spPr>
-        <p:style>
-          <a:lnRef idx="1">
-            <a:schemeClr val="accent1"/>
-          </a:lnRef>
-          <a:fillRef idx="0">
-            <a:schemeClr val="accent1"/>
-          </a:fillRef>
-          <a:effectRef idx="0">
-            <a:schemeClr val="accent1"/>
-          </a:effectRef>
-          <a:fontRef idx="minor">
-            <a:schemeClr val="tx1"/>
-          </a:fontRef>
-        </p:style>
-      </p:cxnSp>
-      <p:cxnSp>
-        <p:nvCxnSpPr>
-          <p:cNvPr id="16" name="直接连接符 15">
-            <a:extLst>
-              <a:ext uri="{FF2B5EF4-FFF2-40B4-BE49-F238E27FC236}">
-                <a16:creationId xmlns:a16="http://schemas.microsoft.com/office/drawing/2014/main" id="{C551F3E0-7C05-48BC-9E63-842B564D8DE1}"/>
-              </a:ext>
-            </a:extLst>
-          </p:cNvPr>
-          <p:cNvCxnSpPr/>
-          <p:nvPr/>
-        </p:nvCxnSpPr>
-        <p:spPr>
-          <a:xfrm>
-            <a:off x="3236557" y="2059709"/>
-            <a:ext cx="0" cy="1754909"/>
-          </a:xfrm>
-          <a:prstGeom prst="line">
-            <a:avLst/>
-          </a:prstGeom>
-          <a:ln w="38100">
-            <a:headEnd type="diamond"/>
-            <a:tailEnd type="oval"/>
-          </a:ln>
-        </p:spPr>
-        <p:style>
-          <a:lnRef idx="1">
-            <a:schemeClr val="accent1"/>
-          </a:lnRef>
-          <a:fillRef idx="0">
-            <a:schemeClr val="accent1"/>
-          </a:fillRef>
-          <a:effectRef idx="0">
-            <a:schemeClr val="accent1"/>
-          </a:effectRef>
-          <a:fontRef idx="minor">
-            <a:schemeClr val="tx1"/>
-          </a:fontRef>
-        </p:style>
-      </p:cxnSp>
-      <p:cxnSp>
-        <p:nvCxnSpPr>
-          <p:cNvPr id="17" name="直接连接符 16">
-            <a:extLst>
-              <a:ext uri="{FF2B5EF4-FFF2-40B4-BE49-F238E27FC236}">
-                <a16:creationId xmlns:a16="http://schemas.microsoft.com/office/drawing/2014/main" id="{705B1D1C-A5B0-4B30-A29A-9A38D5561FD2}"/>
-              </a:ext>
-            </a:extLst>
-          </p:cNvPr>
-          <p:cNvCxnSpPr/>
-          <p:nvPr/>
-        </p:nvCxnSpPr>
-        <p:spPr>
-          <a:xfrm>
-            <a:off x="3634284" y="2059709"/>
-            <a:ext cx="0" cy="1754909"/>
-          </a:xfrm>
-          <a:prstGeom prst="line">
-            <a:avLst/>
-          </a:prstGeom>
-          <a:ln w="63500">
-            <a:headEnd type="diamond"/>
-            <a:tailEnd type="oval"/>
-          </a:ln>
-        </p:spPr>
-        <p:style>
-          <a:lnRef idx="1">
-            <a:schemeClr val="accent1"/>
-          </a:lnRef>
-          <a:fillRef idx="0">
-            <a:schemeClr val="accent1"/>
-          </a:fillRef>
-          <a:effectRef idx="0">
-            <a:schemeClr val="accent1"/>
-          </a:effectRef>
-          <a:fontRef idx="minor">
-            <a:schemeClr val="tx1"/>
-          </a:fontRef>
-        </p:style>
-      </p:cxnSp>
-      <p:cxnSp>
-        <p:nvCxnSpPr>
-          <p:cNvPr id="18" name="直接连接符 17">
-            <a:extLst>
-              <a:ext uri="{FF2B5EF4-FFF2-40B4-BE49-F238E27FC236}">
-                <a16:creationId xmlns:a16="http://schemas.microsoft.com/office/drawing/2014/main" id="{48C09B60-F6B6-46AE-B135-0482AF49FE2C}"/>
-              </a:ext>
-            </a:extLst>
-          </p:cNvPr>
-          <p:cNvCxnSpPr/>
-          <p:nvPr/>
-        </p:nvCxnSpPr>
-        <p:spPr>
-          <a:xfrm>
-            <a:off x="4255035" y="2059709"/>
+            <a:off x="2838784" y="2057169"/>
             <a:ext cx="0" cy="1754909"/>
           </a:xfrm>
           <a:prstGeom prst="line">
@@ -4141,26 +3731,20 @@
       </p:cxnSp>
       <p:cxnSp>
         <p:nvCxnSpPr>
-          <p:cNvPr id="19" name="直接连接符 18">
-            <a:extLst>
-              <a:ext uri="{FF2B5EF4-FFF2-40B4-BE49-F238E27FC236}">
-                <a16:creationId xmlns:a16="http://schemas.microsoft.com/office/drawing/2014/main" id="{3CA062F7-8606-4096-A288-23EA46746BFA}"/>
-              </a:ext>
-            </a:extLst>
-          </p:cNvPr>
+          <p:cNvPr id="16" name="直接连接符 15"/>
           <p:cNvCxnSpPr/>
           <p:nvPr/>
         </p:nvCxnSpPr>
         <p:spPr>
           <a:xfrm>
-            <a:off x="5121113" y="2059709"/>
+            <a:off x="3236557" y="2059709"/>
             <a:ext cx="0" cy="1754909"/>
           </a:xfrm>
           <a:prstGeom prst="line">
             <a:avLst/>
           </a:prstGeom>
-          <a:ln w="254000">
-            <a:headEnd type="diamond"/>
+          <a:ln w="127000">
+            <a:headEnd type="diamond" w="med" len="lg"/>
             <a:tailEnd type="oval"/>
           </a:ln>
         </p:spPr>
@@ -4181,21 +3765,115 @@
       </p:cxnSp>
       <p:cxnSp>
         <p:nvCxnSpPr>
-          <p:cNvPr id="20" name="直接连接符 19">
-            <a:extLst>
-              <a:ext uri="{FF2B5EF4-FFF2-40B4-BE49-F238E27FC236}">
-                <a16:creationId xmlns:a16="http://schemas.microsoft.com/office/drawing/2014/main" id="{DC747DB2-55F6-4DFC-8A0F-89C267A7BDCB}"/>
-              </a:ext>
-            </a:extLst>
-          </p:cNvPr>
-          <p:cNvCxnSpPr>
-            <a:cxnSpLocks/>
-          </p:cNvCxnSpPr>
+          <p:cNvPr id="17" name="直接连接符 16"/>
+          <p:cNvCxnSpPr/>
           <p:nvPr/>
         </p:nvCxnSpPr>
         <p:spPr>
           <a:xfrm>
-            <a:off x="6723172" y="1368333"/>
+            <a:off x="3773984" y="2059709"/>
+            <a:ext cx="0" cy="1754909"/>
+          </a:xfrm>
+          <a:prstGeom prst="line">
+            <a:avLst/>
+          </a:prstGeom>
+          <a:ln w="127000">
+            <a:headEnd type="diamond" w="lg" len="sm"/>
+            <a:tailEnd type="oval"/>
+          </a:ln>
+        </p:spPr>
+        <p:style>
+          <a:lnRef idx="1">
+            <a:schemeClr val="accent1"/>
+          </a:lnRef>
+          <a:fillRef idx="0">
+            <a:schemeClr val="accent1"/>
+          </a:fillRef>
+          <a:effectRef idx="0">
+            <a:schemeClr val="accent1"/>
+          </a:effectRef>
+          <a:fontRef idx="minor">
+            <a:schemeClr val="tx1"/>
+          </a:fontRef>
+        </p:style>
+      </p:cxnSp>
+      <p:cxnSp>
+        <p:nvCxnSpPr>
+          <p:cNvPr id="18" name="直接连接符 17"/>
+          <p:cNvCxnSpPr/>
+          <p:nvPr/>
+        </p:nvCxnSpPr>
+        <p:spPr>
+          <a:xfrm>
+            <a:off x="4422675" y="2059709"/>
+            <a:ext cx="0" cy="1754909"/>
+          </a:xfrm>
+          <a:prstGeom prst="line">
+            <a:avLst/>
+          </a:prstGeom>
+          <a:ln w="127000">
+            <a:headEnd type="diamond" w="lg" len="med"/>
+            <a:tailEnd type="oval"/>
+          </a:ln>
+        </p:spPr>
+        <p:style>
+          <a:lnRef idx="1">
+            <a:schemeClr val="accent1"/>
+          </a:lnRef>
+          <a:fillRef idx="0">
+            <a:schemeClr val="accent1"/>
+          </a:fillRef>
+          <a:effectRef idx="0">
+            <a:schemeClr val="accent1"/>
+          </a:effectRef>
+          <a:fontRef idx="minor">
+            <a:schemeClr val="tx1"/>
+          </a:fontRef>
+        </p:style>
+      </p:cxnSp>
+      <p:cxnSp>
+        <p:nvCxnSpPr>
+          <p:cNvPr id="19" name="直接连接符 18"/>
+          <p:cNvCxnSpPr/>
+          <p:nvPr/>
+        </p:nvCxnSpPr>
+        <p:spPr>
+          <a:xfrm>
+            <a:off x="5497033" y="2059709"/>
+            <a:ext cx="0" cy="1754909"/>
+          </a:xfrm>
+          <a:prstGeom prst="line">
+            <a:avLst/>
+          </a:prstGeom>
+          <a:ln w="254000">
+            <a:headEnd type="diamond" w="lg" len="lg"/>
+            <a:tailEnd type="oval"/>
+          </a:ln>
+        </p:spPr>
+        <p:style>
+          <a:lnRef idx="1">
+            <a:schemeClr val="accent1"/>
+          </a:lnRef>
+          <a:fillRef idx="0">
+            <a:schemeClr val="accent1"/>
+          </a:fillRef>
+          <a:effectRef idx="0">
+            <a:schemeClr val="accent1"/>
+          </a:effectRef>
+          <a:fontRef idx="minor">
+            <a:schemeClr val="tx1"/>
+          </a:fontRef>
+        </p:style>
+      </p:cxnSp>
+      <p:cxnSp>
+        <p:nvCxnSpPr>
+          <p:cNvPr id="20" name="直接连接符 19"/>
+          <p:cNvCxnSpPr/>
+          <p:nvPr/>
+        </p:nvCxnSpPr>
+        <p:spPr>
+          <a:xfrm>
+            <a:off x="6794927" y="1368333"/>
             <a:ext cx="0" cy="3895042"/>
           </a:xfrm>
           <a:prstGeom prst="line">
@@ -4223,16 +3901,8 @@
       </p:cxnSp>
       <p:cxnSp>
         <p:nvCxnSpPr>
-          <p:cNvPr id="23" name="直接连接符 22">
-            <a:extLst>
-              <a:ext uri="{FF2B5EF4-FFF2-40B4-BE49-F238E27FC236}">
-                <a16:creationId xmlns:a16="http://schemas.microsoft.com/office/drawing/2014/main" id="{19798DEB-415F-48D3-AB1F-7FB8BB944A33}"/>
-              </a:ext>
-            </a:extLst>
-          </p:cNvPr>
-          <p:cNvCxnSpPr>
-            <a:cxnSpLocks/>
-          </p:cNvCxnSpPr>
+          <p:cNvPr id="23" name="直接连接符 22"/>
+          <p:cNvCxnSpPr/>
           <p:nvPr/>
         </p:nvCxnSpPr>
         <p:spPr>
@@ -4264,11 +3934,6 @@
         </p:style>
       </p:cxnSp>
     </p:spTree>
-    <p:extLst>
-      <p:ext uri="{BB962C8B-B14F-4D97-AF65-F5344CB8AC3E}">
-        <p14:creationId xmlns:p14="http://schemas.microsoft.com/office/powerpoint/2010/main" val="1663466114"/>
-      </p:ext>
-    </p:extLst>
   </p:cSld>
   <p:clrMapOvr>
     <a:masterClrMapping/>
@@ -4295,13 +3960,7 @@
       </p:grpSpPr>
       <p:sp>
         <p:nvSpPr>
-          <p:cNvPr id="4" name="弧形 3">
-            <a:extLst>
-              <a:ext uri="{FF2B5EF4-FFF2-40B4-BE49-F238E27FC236}">
-                <a16:creationId xmlns:a16="http://schemas.microsoft.com/office/drawing/2014/main" id="{CF6317BF-92CE-48BD-8BF7-9C362DD864B3}"/>
-              </a:ext>
-            </a:extLst>
-          </p:cNvPr>
+          <p:cNvPr id="4" name="弧形 3"/>
           <p:cNvSpPr/>
           <p:nvPr/>
         </p:nvSpPr>
@@ -4385,16 +4044,47 @@
         </p:txBody>
       </p:sp>
     </p:spTree>
-    <p:extLst>
-      <p:ext uri="{BB962C8B-B14F-4D97-AF65-F5344CB8AC3E}">
-        <p14:creationId xmlns:p14="http://schemas.microsoft.com/office/powerpoint/2010/main" val="2074367039"/>
-      </p:ext>
-    </p:extLst>
   </p:cSld>
   <p:clrMapOvr>
     <a:masterClrMapping/>
   </p:clrMapOvr>
 </p:sld>
+</file>
+
+<file path=ppt/tags/tag1.xml><?xml version="1.0" encoding="utf-8"?>
+<p:tagLst xmlns:p="http://schemas.openxmlformats.org/presentationml/2006/main">
+  <p:tag name="KSO_WM_BEAUTIFY_FLAG" val=""/>
+</p:tagLst>
+</file>
+
+<file path=ppt/tags/tag2.xml><?xml version="1.0" encoding="utf-8"?>
+<p:tagLst xmlns:p="http://schemas.openxmlformats.org/presentationml/2006/main">
+  <p:tag name="KSO_WM_BEAUTIFY_FLAG" val=""/>
+</p:tagLst>
+</file>
+
+<file path=ppt/tags/tag3.xml><?xml version="1.0" encoding="utf-8"?>
+<p:tagLst xmlns:p="http://schemas.openxmlformats.org/presentationml/2006/main">
+  <p:tag name="KSO_WM_BEAUTIFY_FLAG" val=""/>
+</p:tagLst>
+</file>
+
+<file path=ppt/tags/tag4.xml><?xml version="1.0" encoding="utf-8"?>
+<p:tagLst xmlns:p="http://schemas.openxmlformats.org/presentationml/2006/main">
+  <p:tag name="KSO_WM_BEAUTIFY_FLAG" val=""/>
+</p:tagLst>
+</file>
+
+<file path=ppt/tags/tag5.xml><?xml version="1.0" encoding="utf-8"?>
+<p:tagLst xmlns:p="http://schemas.openxmlformats.org/presentationml/2006/main">
+  <p:tag name="KSO_WM_BEAUTIFY_FLAG" val=""/>
+</p:tagLst>
+</file>
+
+<file path=ppt/tags/tag6.xml><?xml version="1.0" encoding="utf-8"?>
+<p:tagLst xmlns:p="http://schemas.openxmlformats.org/presentationml/2006/main">
+  <p:tag name="KSO_WM_BEAUTIFY_FLAG" val=""/>
+</p:tagLst>
 </file>
 
 <file path=ppt/theme/theme1.xml><?xml version="1.0" encoding="utf-8"?>
@@ -4440,7 +4130,7 @@
     </a:clrScheme>
     <a:fontScheme name="Office">
       <a:majorFont>
-        <a:latin typeface="等线 Light" panose="020F0302020204030204"/>
+        <a:latin typeface="等线 Light"/>
         <a:ea typeface=""/>
         <a:cs typeface=""/>
         <a:font script="Jpan" typeface="游ゴシック Light"/>
@@ -4473,26 +4163,9 @@
         <a:font script="Viet" typeface="Times New Roman"/>
         <a:font script="Uigh" typeface="Microsoft Uighur"/>
         <a:font script="Geor" typeface="Sylfaen"/>
-        <a:font script="Armn" typeface="Arial"/>
-        <a:font script="Bugi" typeface="Leelawadee UI"/>
-        <a:font script="Bopo" typeface="Microsoft JhengHei"/>
-        <a:font script="Java" typeface="Javanese Text"/>
-        <a:font script="Lisu" typeface="Segoe UI"/>
-        <a:font script="Mymr" typeface="Myanmar Text"/>
-        <a:font script="Nkoo" typeface="Ebrima"/>
-        <a:font script="Olck" typeface="Nirmala UI"/>
-        <a:font script="Osma" typeface="Ebrima"/>
-        <a:font script="Phag" typeface="Phagspa"/>
-        <a:font script="Syrn" typeface="Estrangelo Edessa"/>
-        <a:font script="Syrj" typeface="Estrangelo Edessa"/>
-        <a:font script="Syre" typeface="Estrangelo Edessa"/>
-        <a:font script="Sora" typeface="Nirmala UI"/>
-        <a:font script="Tale" typeface="Microsoft Tai Le"/>
-        <a:font script="Talu" typeface="Microsoft New Tai Lue"/>
-        <a:font script="Tfng" typeface="Ebrima"/>
       </a:majorFont>
       <a:minorFont>
-        <a:latin typeface="等线" panose="020F0502020204030204"/>
+        <a:latin typeface="等线"/>
         <a:ea typeface=""/>
         <a:cs typeface=""/>
         <a:font script="Jpan" typeface="游ゴシック"/>
@@ -4525,23 +4198,6 @@
         <a:font script="Viet" typeface="Arial"/>
         <a:font script="Uigh" typeface="Microsoft Uighur"/>
         <a:font script="Geor" typeface="Sylfaen"/>
-        <a:font script="Armn" typeface="Arial"/>
-        <a:font script="Bugi" typeface="Leelawadee UI"/>
-        <a:font script="Bopo" typeface="Microsoft JhengHei"/>
-        <a:font script="Java" typeface="Javanese Text"/>
-        <a:font script="Lisu" typeface="Segoe UI"/>
-        <a:font script="Mymr" typeface="Myanmar Text"/>
-        <a:font script="Nkoo" typeface="Ebrima"/>
-        <a:font script="Olck" typeface="Nirmala UI"/>
-        <a:font script="Osma" typeface="Ebrima"/>
-        <a:font script="Phag" typeface="Phagspa"/>
-        <a:font script="Syrn" typeface="Estrangelo Edessa"/>
-        <a:font script="Syrj" typeface="Estrangelo Edessa"/>
-        <a:font script="Syre" typeface="Estrangelo Edessa"/>
-        <a:font script="Sora" typeface="Nirmala UI"/>
-        <a:font script="Tale" typeface="Microsoft Tai Le"/>
-        <a:font script="Talu" typeface="Microsoft New Tai Lue"/>
-        <a:font script="Tfng" typeface="Ebrima"/>
       </a:minorFont>
     </a:fontScheme>
     <a:fmtScheme name="Office">
@@ -4682,8 +4338,6 @@
       </a:bgFillStyleLst>
     </a:fmtScheme>
   </a:themeElements>
-  <a:objectDefaults/>
-  <a:extraClrSchemeLst/>
   <a:extLst>
     <a:ext uri="{05A4C25C-085E-4340-85A3-A5531E510DB2}">
       <thm15:themeFamily xmlns:thm15="http://schemas.microsoft.com/office/thememl/2012/main" name="Office Theme" id="{62F939B6-93AF-4DB8-9C6B-D6C7DFDC589F}" vid="{4A3C46E8-61CC-4603-A589-7422A47A8E4A}"/>
